--- a/advisify (1).pptx
+++ b/advisify (1).pptx
@@ -5,7 +5,7 @@
     <p:sldMasterId id="2147483659" r:id="rId4"/>
   </p:sldMasterIdLst>
   <p:notesMasterIdLst>
-    <p:notesMasterId r:id="rId15"/>
+    <p:notesMasterId r:id="rId16"/>
   </p:notesMasterIdLst>
   <p:sldIdLst>
     <p:sldId id="256" r:id="rId5"/>
@@ -14,20 +14,21 @@
     <p:sldId id="268" r:id="rId8"/>
     <p:sldId id="258" r:id="rId9"/>
     <p:sldId id="260" r:id="rId10"/>
-    <p:sldId id="262" r:id="rId11"/>
-    <p:sldId id="265" r:id="rId12"/>
-    <p:sldId id="266" r:id="rId13"/>
-    <p:sldId id="267" r:id="rId14"/>
+    <p:sldId id="269" r:id="rId11"/>
+    <p:sldId id="262" r:id="rId12"/>
+    <p:sldId id="265" r:id="rId13"/>
+    <p:sldId id="266" r:id="rId14"/>
+    <p:sldId id="267" r:id="rId15"/>
   </p:sldIdLst>
   <p:sldSz cx="9144000" cy="5143500" type="screen16x9"/>
   <p:notesSz cx="6858000" cy="9144000"/>
   <p:embeddedFontLst>
     <p:embeddedFont>
       <p:font typeface="Lato" panose="020B0604020202020204" charset="0"/>
-      <p:regular r:id="rId16"/>
-      <p:bold r:id="rId17"/>
-      <p:italic r:id="rId18"/>
-      <p:boldItalic r:id="rId19"/>
+      <p:regular r:id="rId17"/>
+      <p:bold r:id="rId18"/>
+      <p:italic r:id="rId19"/>
+      <p:boldItalic r:id="rId20"/>
     </p:embeddedFont>
   </p:embeddedFontLst>
   <p:defaultTextStyle>
@@ -10403,19 +10404,125 @@
         </p:nvSpPr>
         <p:spPr>
           <a:xfrm>
-            <a:off x="3537150" y="2171682"/>
-            <a:ext cx="5017500" cy="1269903"/>
+            <a:off x="3537150" y="1834026"/>
+            <a:ext cx="5017500" cy="2263023"/>
           </a:xfrm>
         </p:spPr>
         <p:txBody>
           <a:bodyPr>
-            <a:normAutofit fontScale="90000"/>
+            <a:normAutofit/>
           </a:bodyPr>
           <a:lstStyle/>
           <a:p>
             <a:r>
-              <a:rPr lang="en-US" b="1" dirty="0"/>
-              <a:t>Advisify – AI Course Advisor</a:t>
+              <a:rPr lang="en-US" b="1" dirty="0">
+                <a:latin typeface="Times New Roman" panose="02020603050405020304" pitchFamily="18" charset="0"/>
+                <a:cs typeface="Times New Roman" panose="02020603050405020304" pitchFamily="18" charset="0"/>
+              </a:rPr>
+              <a:t>Advisify – AI Course </a:t>
+            </a:r>
+            <a:r>
+              <a:rPr lang="en-US" b="1" dirty="0" smtClean="0">
+                <a:latin typeface="Times New Roman" panose="02020603050405020304" pitchFamily="18" charset="0"/>
+                <a:cs typeface="Times New Roman" panose="02020603050405020304" pitchFamily="18" charset="0"/>
+              </a:rPr>
+              <a:t>Advisor</a:t>
+            </a:r>
+            <a:br>
+              <a:rPr lang="en-US" b="1" dirty="0" smtClean="0">
+                <a:latin typeface="Times New Roman" panose="02020603050405020304" pitchFamily="18" charset="0"/>
+                <a:cs typeface="Times New Roman" panose="02020603050405020304" pitchFamily="18" charset="0"/>
+              </a:rPr>
+            </a:br>
+            <a:r>
+              <a:rPr lang="en-US" sz="1600" dirty="0">
+                <a:latin typeface="Times New Roman" panose="02020603050405020304" pitchFamily="18" charset="0"/>
+                <a:cs typeface="Times New Roman" panose="02020603050405020304" pitchFamily="18" charset="0"/>
+              </a:rPr>
+              <a:t>An Intelligent Solution for Automated Academic Advising</a:t>
+            </a:r>
+            <a:r>
+              <a:rPr lang="en-US" b="1" dirty="0" smtClean="0">
+                <a:latin typeface="Times New Roman" panose="02020603050405020304" pitchFamily="18" charset="0"/>
+                <a:cs typeface="Times New Roman" panose="02020603050405020304" pitchFamily="18" charset="0"/>
+              </a:rPr>
+              <a:t/>
+            </a:r>
+            <a:br>
+              <a:rPr lang="en-US" b="1" dirty="0" smtClean="0">
+                <a:latin typeface="Times New Roman" panose="02020603050405020304" pitchFamily="18" charset="0"/>
+                <a:cs typeface="Times New Roman" panose="02020603050405020304" pitchFamily="18" charset="0"/>
+              </a:rPr>
+            </a:br>
+            <a:endParaRPr lang="en-US" b="1" dirty="0">
+              <a:latin typeface="Times New Roman" panose="02020603050405020304" pitchFamily="18" charset="0"/>
+              <a:cs typeface="Times New Roman" panose="02020603050405020304" pitchFamily="18" charset="0"/>
+            </a:endParaRPr>
+          </a:p>
+        </p:txBody>
+      </p:sp>
+      <p:sp>
+        <p:nvSpPr>
+          <p:cNvPr id="2" name="TextBox 1"/>
+          <p:cNvSpPr txBox="1"/>
+          <p:nvPr/>
+        </p:nvSpPr>
+        <p:spPr>
+          <a:xfrm>
+            <a:off x="4904485" y="4307169"/>
+            <a:ext cx="3650165" cy="369332"/>
+          </a:xfrm>
+          <a:prstGeom prst="rect">
+            <a:avLst/>
+          </a:prstGeom>
+          <a:noFill/>
+        </p:spPr>
+        <p:txBody>
+          <a:bodyPr wrap="square" rtlCol="0">
+            <a:spAutoFit/>
+          </a:bodyPr>
+          <a:lstStyle/>
+          <a:p>
+            <a:endParaRPr lang="en-US" sz="1800" dirty="0">
+              <a:solidFill>
+                <a:schemeClr val="bg1"/>
+              </a:solidFill>
+              <a:latin typeface="Times New Roman" panose="02020603050405020304" pitchFamily="18" charset="0"/>
+              <a:cs typeface="Times New Roman" panose="02020603050405020304" pitchFamily="18" charset="0"/>
+            </a:endParaRPr>
+          </a:p>
+        </p:txBody>
+      </p:sp>
+      <p:sp>
+        <p:nvSpPr>
+          <p:cNvPr id="4" name="Rectangle 3"/>
+          <p:cNvSpPr/>
+          <p:nvPr/>
+        </p:nvSpPr>
+        <p:spPr>
+          <a:xfrm>
+            <a:off x="4640095" y="4052987"/>
+            <a:ext cx="4137671" cy="400110"/>
+          </a:xfrm>
+          <a:prstGeom prst="rect">
+            <a:avLst/>
+          </a:prstGeom>
+        </p:spPr>
+        <p:txBody>
+          <a:bodyPr wrap="none">
+            <a:spAutoFit/>
+          </a:bodyPr>
+          <a:lstStyle/>
+          <a:p>
+            <a:r>
+              <a:rPr lang="en-US" sz="2000" dirty="0">
+                <a:solidFill>
+                  <a:schemeClr val="bg1"/>
+                </a:solidFill>
+                <a:latin typeface="Times New Roman" panose="02020603050405020304" pitchFamily="18" charset="0"/>
+                <a:cs typeface="Times New Roman" panose="02020603050405020304" pitchFamily="18" charset="0"/>
+              </a:rPr>
+              <a:t>Supervisor: Syed Haider Imam Jaffery</a:t>
             </a:r>
           </a:p>
         </p:txBody>
@@ -10436,6 +10543,473 @@
 </file>
 
 <file path=ppt/slides/slide10.xml><?xml version="1.0" encoding="utf-8"?>
+<p:sld xmlns:a="http://schemas.openxmlformats.org/drawingml/2006/main" xmlns:r="http://schemas.openxmlformats.org/officeDocument/2006/relationships" xmlns:p="http://schemas.openxmlformats.org/presentationml/2006/main">
+  <p:cSld>
+    <p:spTree>
+      <p:nvGrpSpPr>
+        <p:cNvPr id="1" name="Shape 223"/>
+        <p:cNvGrpSpPr/>
+        <p:nvPr/>
+      </p:nvGrpSpPr>
+      <p:grpSpPr>
+        <a:xfrm>
+          <a:off x="0" y="0"/>
+          <a:ext cx="0" cy="0"/>
+          <a:chOff x="0" y="0"/>
+          <a:chExt cx="0" cy="0"/>
+        </a:xfrm>
+      </p:grpSpPr>
+      <p:sp>
+        <p:nvSpPr>
+          <p:cNvPr id="224" name="Google Shape;224;p23"/>
+          <p:cNvSpPr txBox="1">
+            <a:spLocks noGrp="1"/>
+          </p:cNvSpPr>
+          <p:nvPr>
+            <p:ph type="title"/>
+          </p:nvPr>
+        </p:nvSpPr>
+        <p:spPr>
+          <a:xfrm>
+            <a:off x="1297500" y="393750"/>
+            <a:ext cx="7038900" cy="914100"/>
+          </a:xfrm>
+          <a:prstGeom prst="rect">
+            <a:avLst/>
+          </a:prstGeom>
+        </p:spPr>
+        <p:txBody>
+          <a:bodyPr spcFirstLastPara="1" wrap="square" lIns="91425" tIns="91425" rIns="91425" bIns="91425" anchor="t" anchorCtr="0">
+            <a:normAutofit/>
+          </a:bodyPr>
+          <a:lstStyle/>
+          <a:p>
+            <a:pPr marL="0" lvl="0" indent="0" algn="ctr" rtl="0">
+              <a:spcBef>
+                <a:spcPts val="0"/>
+              </a:spcBef>
+              <a:spcAft>
+                <a:spcPts val="0"/>
+              </a:spcAft>
+              <a:buNone/>
+            </a:pPr>
+            <a:r>
+              <a:rPr lang="en" sz="2900">
+                <a:latin typeface="Times New Roman"/>
+                <a:ea typeface="Times New Roman"/>
+                <a:cs typeface="Times New Roman"/>
+                <a:sym typeface="Times New Roman"/>
+              </a:rPr>
+              <a:t>References</a:t>
+            </a:r>
+            <a:endParaRPr sz="2900">
+              <a:latin typeface="Times New Roman"/>
+              <a:ea typeface="Times New Roman"/>
+              <a:cs typeface="Times New Roman"/>
+              <a:sym typeface="Times New Roman"/>
+            </a:endParaRPr>
+          </a:p>
+          <a:p>
+            <a:pPr marL="0" lvl="0" indent="0" algn="ctr" rtl="0">
+              <a:spcBef>
+                <a:spcPts val="0"/>
+              </a:spcBef>
+              <a:spcAft>
+                <a:spcPts val="0"/>
+              </a:spcAft>
+              <a:buNone/>
+            </a:pPr>
+            <a:endParaRPr sz="2900">
+              <a:latin typeface="Times New Roman"/>
+              <a:ea typeface="Times New Roman"/>
+              <a:cs typeface="Times New Roman"/>
+              <a:sym typeface="Times New Roman"/>
+            </a:endParaRPr>
+          </a:p>
+        </p:txBody>
+      </p:sp>
+      <p:sp>
+        <p:nvSpPr>
+          <p:cNvPr id="225" name="Google Shape;225;p23"/>
+          <p:cNvSpPr txBox="1">
+            <a:spLocks noGrp="1"/>
+          </p:cNvSpPr>
+          <p:nvPr>
+            <p:ph type="body" idx="1"/>
+          </p:nvPr>
+        </p:nvSpPr>
+        <p:spPr>
+          <a:xfrm>
+            <a:off x="1297500" y="1567550"/>
+            <a:ext cx="7038900" cy="2911200"/>
+          </a:xfrm>
+          <a:prstGeom prst="rect">
+            <a:avLst/>
+          </a:prstGeom>
+        </p:spPr>
+        <p:txBody>
+          <a:bodyPr spcFirstLastPara="1" wrap="square" lIns="91425" tIns="91425" rIns="91425" bIns="91425" anchor="t" anchorCtr="0">
+            <a:noAutofit/>
+          </a:bodyPr>
+          <a:lstStyle/>
+          <a:p>
+            <a:r>
+              <a:rPr lang="en-US" sz="1200" dirty="0" err="1">
+                <a:latin typeface="Times New Roman" panose="02020603050405020304" pitchFamily="18" charset="0"/>
+                <a:cs typeface="Times New Roman" panose="02020603050405020304" pitchFamily="18" charset="0"/>
+              </a:rPr>
+              <a:t>Zafra</a:t>
+            </a:r>
+            <a:r>
+              <a:rPr lang="en-US" sz="1200" dirty="0">
+                <a:latin typeface="Times New Roman" panose="02020603050405020304" pitchFamily="18" charset="0"/>
+                <a:cs typeface="Times New Roman" panose="02020603050405020304" pitchFamily="18" charset="0"/>
+              </a:rPr>
+              <a:t> &amp; Ventura (2019) – </a:t>
+            </a:r>
+            <a:r>
+              <a:rPr lang="en-US" sz="1200" i="1" dirty="0">
+                <a:latin typeface="Times New Roman" panose="02020603050405020304" pitchFamily="18" charset="0"/>
+                <a:cs typeface="Times New Roman" panose="02020603050405020304" pitchFamily="18" charset="0"/>
+              </a:rPr>
+              <a:t>Predictive Modeling for Student Performance in Higher </a:t>
+            </a:r>
+            <a:r>
+              <a:rPr lang="en-US" sz="1200" i="1" dirty="0" smtClean="0">
+                <a:latin typeface="Times New Roman" panose="02020603050405020304" pitchFamily="18" charset="0"/>
+                <a:cs typeface="Times New Roman" panose="02020603050405020304" pitchFamily="18" charset="0"/>
+              </a:rPr>
+              <a:t>Education.</a:t>
+            </a:r>
+          </a:p>
+          <a:p>
+            <a:endParaRPr lang="en-US" sz="1200" dirty="0">
+              <a:latin typeface="Times New Roman" panose="02020603050405020304" pitchFamily="18" charset="0"/>
+              <a:cs typeface="Times New Roman" panose="02020603050405020304" pitchFamily="18" charset="0"/>
+            </a:endParaRPr>
+          </a:p>
+          <a:p>
+            <a:r>
+              <a:rPr lang="en-US" sz="1200" dirty="0">
+                <a:latin typeface="Times New Roman" panose="02020603050405020304" pitchFamily="18" charset="0"/>
+                <a:cs typeface="Times New Roman" panose="02020603050405020304" pitchFamily="18" charset="0"/>
+              </a:rPr>
+              <a:t>Al-</a:t>
+            </a:r>
+            <a:r>
+              <a:rPr lang="en-US" sz="1200" dirty="0" err="1">
+                <a:latin typeface="Times New Roman" panose="02020603050405020304" pitchFamily="18" charset="0"/>
+                <a:cs typeface="Times New Roman" panose="02020603050405020304" pitchFamily="18" charset="0"/>
+              </a:rPr>
+              <a:t>Barrak</a:t>
+            </a:r>
+            <a:r>
+              <a:rPr lang="en-US" sz="1200" dirty="0">
+                <a:latin typeface="Times New Roman" panose="02020603050405020304" pitchFamily="18" charset="0"/>
+                <a:cs typeface="Times New Roman" panose="02020603050405020304" pitchFamily="18" charset="0"/>
+              </a:rPr>
+              <a:t> &amp; Al-</a:t>
+            </a:r>
+            <a:r>
+              <a:rPr lang="en-US" sz="1200" dirty="0" err="1">
+                <a:latin typeface="Times New Roman" panose="02020603050405020304" pitchFamily="18" charset="0"/>
+                <a:cs typeface="Times New Roman" panose="02020603050405020304" pitchFamily="18" charset="0"/>
+              </a:rPr>
+              <a:t>Razgan</a:t>
+            </a:r>
+            <a:r>
+              <a:rPr lang="en-US" sz="1200" dirty="0">
+                <a:latin typeface="Times New Roman" panose="02020603050405020304" pitchFamily="18" charset="0"/>
+                <a:cs typeface="Times New Roman" panose="02020603050405020304" pitchFamily="18" charset="0"/>
+              </a:rPr>
+              <a:t> (2020) – </a:t>
+            </a:r>
+            <a:r>
+              <a:rPr lang="en-US" sz="1200" i="1" dirty="0">
+                <a:latin typeface="Times New Roman" panose="02020603050405020304" pitchFamily="18" charset="0"/>
+                <a:cs typeface="Times New Roman" panose="02020603050405020304" pitchFamily="18" charset="0"/>
+              </a:rPr>
+              <a:t>Intelligent Recommender System for Academic </a:t>
+            </a:r>
+            <a:r>
+              <a:rPr lang="en-US" sz="1200" i="1" dirty="0" smtClean="0">
+                <a:latin typeface="Times New Roman" panose="02020603050405020304" pitchFamily="18" charset="0"/>
+                <a:cs typeface="Times New Roman" panose="02020603050405020304" pitchFamily="18" charset="0"/>
+              </a:rPr>
+              <a:t>Advising.</a:t>
+            </a:r>
+          </a:p>
+          <a:p>
+            <a:endParaRPr lang="en-US" sz="1200" dirty="0">
+              <a:latin typeface="Times New Roman" panose="02020603050405020304" pitchFamily="18" charset="0"/>
+              <a:cs typeface="Times New Roman" panose="02020603050405020304" pitchFamily="18" charset="0"/>
+            </a:endParaRPr>
+          </a:p>
+          <a:p>
+            <a:r>
+              <a:rPr lang="en-US" sz="1200" dirty="0">
+                <a:latin typeface="Times New Roman" panose="02020603050405020304" pitchFamily="18" charset="0"/>
+                <a:cs typeface="Times New Roman" panose="02020603050405020304" pitchFamily="18" charset="0"/>
+              </a:rPr>
+              <a:t>IBM Watson Education (2021) – </a:t>
+            </a:r>
+            <a:r>
+              <a:rPr lang="en-US" sz="1200" i="1" dirty="0">
+                <a:latin typeface="Times New Roman" panose="02020603050405020304" pitchFamily="18" charset="0"/>
+                <a:cs typeface="Times New Roman" panose="02020603050405020304" pitchFamily="18" charset="0"/>
+              </a:rPr>
+              <a:t>AI in Learning </a:t>
+            </a:r>
+            <a:r>
+              <a:rPr lang="en-US" sz="1200" i="1" dirty="0" smtClean="0">
+                <a:latin typeface="Times New Roman" panose="02020603050405020304" pitchFamily="18" charset="0"/>
+                <a:cs typeface="Times New Roman" panose="02020603050405020304" pitchFamily="18" charset="0"/>
+              </a:rPr>
+              <a:t>Analytics.</a:t>
+            </a:r>
+          </a:p>
+          <a:p>
+            <a:pPr marL="146050" indent="0">
+              <a:buNone/>
+            </a:pPr>
+            <a:endParaRPr lang="en-US" sz="1200" dirty="0">
+              <a:latin typeface="Times New Roman" panose="02020603050405020304" pitchFamily="18" charset="0"/>
+              <a:cs typeface="Times New Roman" panose="02020603050405020304" pitchFamily="18" charset="0"/>
+            </a:endParaRPr>
+          </a:p>
+          <a:p>
+            <a:r>
+              <a:rPr lang="en-US" sz="1200" dirty="0">
+                <a:latin typeface="Times New Roman" panose="02020603050405020304" pitchFamily="18" charset="0"/>
+                <a:cs typeface="Times New Roman" panose="02020603050405020304" pitchFamily="18" charset="0"/>
+              </a:rPr>
+              <a:t>Coursera (2022) – </a:t>
+            </a:r>
+            <a:r>
+              <a:rPr lang="en-US" sz="1200" i="1" dirty="0">
+                <a:latin typeface="Times New Roman" panose="02020603050405020304" pitchFamily="18" charset="0"/>
+                <a:cs typeface="Times New Roman" panose="02020603050405020304" pitchFamily="18" charset="0"/>
+              </a:rPr>
+              <a:t>AI-Based Course Recommendation </a:t>
+            </a:r>
+            <a:r>
+              <a:rPr lang="en-US" sz="1200" i="1" dirty="0" smtClean="0">
+                <a:latin typeface="Times New Roman" panose="02020603050405020304" pitchFamily="18" charset="0"/>
+                <a:cs typeface="Times New Roman" panose="02020603050405020304" pitchFamily="18" charset="0"/>
+              </a:rPr>
+              <a:t>System.</a:t>
+            </a:r>
+          </a:p>
+          <a:p>
+            <a:endParaRPr lang="en-US" sz="1200" dirty="0">
+              <a:latin typeface="Times New Roman" panose="02020603050405020304" pitchFamily="18" charset="0"/>
+              <a:cs typeface="Times New Roman" panose="02020603050405020304" pitchFamily="18" charset="0"/>
+            </a:endParaRPr>
+          </a:p>
+          <a:p>
+            <a:r>
+              <a:rPr lang="en-US" sz="1200" dirty="0" err="1">
+                <a:latin typeface="Times New Roman" panose="02020603050405020304" pitchFamily="18" charset="0"/>
+                <a:cs typeface="Times New Roman" panose="02020603050405020304" pitchFamily="18" charset="0"/>
+              </a:rPr>
+              <a:t>edX</a:t>
+            </a:r>
+            <a:r>
+              <a:rPr lang="en-US" sz="1200" dirty="0">
+                <a:latin typeface="Times New Roman" panose="02020603050405020304" pitchFamily="18" charset="0"/>
+                <a:cs typeface="Times New Roman" panose="02020603050405020304" pitchFamily="18" charset="0"/>
+              </a:rPr>
+              <a:t> (2022) – </a:t>
+            </a:r>
+            <a:r>
+              <a:rPr lang="en-US" sz="1200" i="1" dirty="0">
+                <a:latin typeface="Times New Roman" panose="02020603050405020304" pitchFamily="18" charset="0"/>
+                <a:cs typeface="Times New Roman" panose="02020603050405020304" pitchFamily="18" charset="0"/>
+              </a:rPr>
+              <a:t>Personalized Learning and Course </a:t>
+            </a:r>
+            <a:r>
+              <a:rPr lang="en-US" sz="1200" i="1" dirty="0" smtClean="0">
+                <a:latin typeface="Times New Roman" panose="02020603050405020304" pitchFamily="18" charset="0"/>
+                <a:cs typeface="Times New Roman" panose="02020603050405020304" pitchFamily="18" charset="0"/>
+              </a:rPr>
+              <a:t>Pathways.</a:t>
+            </a:r>
+          </a:p>
+          <a:p>
+            <a:endParaRPr lang="en-US" sz="1200" dirty="0">
+              <a:latin typeface="Times New Roman" panose="02020603050405020304" pitchFamily="18" charset="0"/>
+              <a:cs typeface="Times New Roman" panose="02020603050405020304" pitchFamily="18" charset="0"/>
+            </a:endParaRPr>
+          </a:p>
+          <a:p>
+            <a:r>
+              <a:rPr lang="en-US" sz="1200" dirty="0">
+                <a:latin typeface="Times New Roman" panose="02020603050405020304" pitchFamily="18" charset="0"/>
+                <a:cs typeface="Times New Roman" panose="02020603050405020304" pitchFamily="18" charset="0"/>
+              </a:rPr>
+              <a:t>Documentation: </a:t>
+            </a:r>
+            <a:r>
+              <a:rPr lang="en-US" sz="1200" b="1" dirty="0">
+                <a:latin typeface="Times New Roman" panose="02020603050405020304" pitchFamily="18" charset="0"/>
+                <a:cs typeface="Times New Roman" panose="02020603050405020304" pitchFamily="18" charset="0"/>
+              </a:rPr>
+              <a:t>Next.js</a:t>
+            </a:r>
+            <a:r>
+              <a:rPr lang="en-US" sz="1200" dirty="0">
+                <a:latin typeface="Times New Roman" panose="02020603050405020304" pitchFamily="18" charset="0"/>
+                <a:cs typeface="Times New Roman" panose="02020603050405020304" pitchFamily="18" charset="0"/>
+              </a:rPr>
+              <a:t>, </a:t>
+            </a:r>
+            <a:r>
+              <a:rPr lang="en-US" sz="1200" b="1" dirty="0">
+                <a:latin typeface="Times New Roman" panose="02020603050405020304" pitchFamily="18" charset="0"/>
+                <a:cs typeface="Times New Roman" panose="02020603050405020304" pitchFamily="18" charset="0"/>
+              </a:rPr>
+              <a:t>FastAPI</a:t>
+            </a:r>
+            <a:r>
+              <a:rPr lang="en-US" sz="1200" dirty="0">
+                <a:latin typeface="Times New Roman" panose="02020603050405020304" pitchFamily="18" charset="0"/>
+                <a:cs typeface="Times New Roman" panose="02020603050405020304" pitchFamily="18" charset="0"/>
+              </a:rPr>
+              <a:t>, </a:t>
+            </a:r>
+            <a:r>
+              <a:rPr lang="en-US" sz="1200" b="1" dirty="0">
+                <a:latin typeface="Times New Roman" panose="02020603050405020304" pitchFamily="18" charset="0"/>
+                <a:cs typeface="Times New Roman" panose="02020603050405020304" pitchFamily="18" charset="0"/>
+              </a:rPr>
+              <a:t>PostgreSQL</a:t>
+            </a:r>
+            <a:endParaRPr lang="en-US" sz="1200" dirty="0">
+              <a:latin typeface="Times New Roman" panose="02020603050405020304" pitchFamily="18" charset="0"/>
+              <a:cs typeface="Times New Roman" panose="02020603050405020304" pitchFamily="18" charset="0"/>
+            </a:endParaRPr>
+          </a:p>
+          <a:p>
+            <a:endParaRPr lang="en" sz="1200" dirty="0">
+              <a:latin typeface="Times New Roman" panose="02020603050405020304" pitchFamily="18" charset="0"/>
+              <a:cs typeface="Times New Roman" panose="02020603050405020304" pitchFamily="18" charset="0"/>
+            </a:endParaRPr>
+          </a:p>
+        </p:txBody>
+      </p:sp>
+      <p:cxnSp>
+        <p:nvCxnSpPr>
+          <p:cNvPr id="226" name="Google Shape;226;p23"/>
+          <p:cNvCxnSpPr/>
+          <p:nvPr/>
+        </p:nvCxnSpPr>
+        <p:spPr>
+          <a:xfrm rot="10800000" flipH="1">
+            <a:off x="2032850" y="951000"/>
+            <a:ext cx="5377200" cy="60600"/>
+          </a:xfrm>
+          <a:prstGeom prst="straightConnector1">
+            <a:avLst/>
+          </a:prstGeom>
+          <a:noFill/>
+          <a:ln w="28575" cap="flat" cmpd="sng">
+            <a:solidFill>
+              <a:schemeClr val="dk2"/>
+            </a:solidFill>
+            <a:prstDash val="solid"/>
+            <a:round/>
+            <a:headEnd type="none" w="med" len="med"/>
+            <a:tailEnd type="none" w="med" len="med"/>
+          </a:ln>
+        </p:spPr>
+      </p:cxnSp>
+      <p:sp>
+        <p:nvSpPr>
+          <p:cNvPr id="227" name="Google Shape;227;p23"/>
+          <p:cNvSpPr txBox="1">
+            <a:spLocks noGrp="1"/>
+          </p:cNvSpPr>
+          <p:nvPr>
+            <p:ph type="sldNum" idx="12"/>
+          </p:nvPr>
+        </p:nvSpPr>
+        <p:spPr>
+          <a:xfrm>
+            <a:off x="8472458" y="4663217"/>
+            <a:ext cx="548700" cy="393600"/>
+          </a:xfrm>
+          <a:prstGeom prst="rect">
+            <a:avLst/>
+          </a:prstGeom>
+        </p:spPr>
+        <p:txBody>
+          <a:bodyPr spcFirstLastPara="1" wrap="square" lIns="91425" tIns="91425" rIns="91425" bIns="91425" anchor="ctr" anchorCtr="0">
+            <a:normAutofit/>
+          </a:bodyPr>
+          <a:lstStyle/>
+          <a:p>
+            <a:pPr marL="0" lvl="0" indent="0" algn="r" rtl="0">
+              <a:spcBef>
+                <a:spcPts val="0"/>
+              </a:spcBef>
+              <a:spcAft>
+                <a:spcPts val="0"/>
+              </a:spcAft>
+              <a:buNone/>
+            </a:pPr>
+            <a:fld id="{00000000-1234-1234-1234-123412341234}" type="slidenum">
+              <a:rPr lang="en"/>
+              <a:t>10</a:t>
+            </a:fld>
+            <a:endParaRPr/>
+          </a:p>
+        </p:txBody>
+      </p:sp>
+      <p:pic>
+        <p:nvPicPr>
+          <p:cNvPr id="228" name="Google Shape;228;p23"/>
+          <p:cNvPicPr preferRelativeResize="0"/>
+          <p:nvPr/>
+        </p:nvPicPr>
+        <p:blipFill>
+          <a:blip r:embed="rId3">
+            <a:alphaModFix/>
+          </a:blip>
+          <a:stretch>
+            <a:fillRect/>
+          </a:stretch>
+        </p:blipFill>
+        <p:spPr>
+          <a:xfrm>
+            <a:off x="7575675" y="195700"/>
+            <a:ext cx="1386475" cy="1127600"/>
+          </a:xfrm>
+          <a:prstGeom prst="rect">
+            <a:avLst/>
+          </a:prstGeom>
+          <a:noFill/>
+          <a:ln>
+            <a:noFill/>
+          </a:ln>
+        </p:spPr>
+      </p:pic>
+    </p:spTree>
+  </p:cSld>
+  <p:clrMapOvr>
+    <a:masterClrMapping/>
+  </p:clrMapOvr>
+  <p:timing>
+    <p:tnLst>
+      <p:par>
+        <p:cTn id="1" dur="indefinite" restart="never" nodeType="tmRoot"/>
+      </p:par>
+    </p:tnLst>
+  </p:timing>
+</p:sld>
+</file>
+
+<file path=ppt/slides/slide11.xml><?xml version="1.0" encoding="utf-8"?>
 <p:sld xmlns:a="http://schemas.openxmlformats.org/drawingml/2006/main" xmlns:r="http://schemas.openxmlformats.org/officeDocument/2006/relationships" xmlns:p="http://schemas.openxmlformats.org/presentationml/2006/main">
   <p:cSld>
     <p:spTree>
@@ -10566,7 +11140,7 @@
             </a:pPr>
             <a:fld id="{00000000-1234-1234-1234-123412341234}" type="slidenum">
               <a:rPr lang="en"/>
-              <a:t>10</a:t>
+              <a:t>11</a:t>
             </a:fld>
             <a:endParaRPr/>
           </a:p>
@@ -10807,15 +11381,7 @@
                 <a:ea typeface="Times New Roman"/>
                 <a:cs typeface="Times New Roman"/>
               </a:rPr>
-              <a:t>ARFAT AYUB (</a:t>
-            </a:r>
-            <a:r>
-              <a:rPr lang="en" sz="2000" b="1" dirty="0" smtClean="0">
-                <a:latin typeface="Times New Roman"/>
-                <a:ea typeface="Times New Roman"/>
-                <a:cs typeface="Times New Roman"/>
-              </a:rPr>
-              <a:t>FA22-BSCS-0138)</a:t>
+              <a:t>ARFAT AYUB (FA22-BSCS-0138)</a:t>
             </a:r>
             <a:endParaRPr lang="en" sz="2000" b="1" dirty="0">
               <a:latin typeface="Times New Roman"/>
@@ -11146,96 +11712,100 @@
         <p:spPr/>
         <p:txBody>
           <a:bodyPr>
-            <a:normAutofit/>
+            <a:noAutofit/>
           </a:bodyPr>
           <a:lstStyle/>
           <a:p>
             <a:r>
-              <a:rPr lang="en-US" dirty="0"/>
-              <a:t>Many university students </a:t>
+              <a:rPr lang="en-US" sz="1600" dirty="0">
+                <a:latin typeface="Times New Roman" panose="02020603050405020304" pitchFamily="18" charset="0"/>
+                <a:cs typeface="Times New Roman" panose="02020603050405020304" pitchFamily="18" charset="0"/>
+              </a:rPr>
+              <a:t>Many students struggle to select suitable courses after F-grades, withdrawals, or semester breaks</a:t>
             </a:r>
             <a:r>
-              <a:rPr lang="en-US" b="1" dirty="0"/>
-              <a:t>struggle to choose suitable courses</a:t>
-            </a:r>
-            <a:r>
-              <a:rPr lang="en-US" dirty="0"/>
-              <a:t> after facing </a:t>
-            </a:r>
-            <a:r>
-              <a:rPr lang="en-US" b="1" dirty="0"/>
-              <a:t>F-grades, course withdrawals, or semester breaks</a:t>
-            </a:r>
-            <a:r>
-              <a:rPr lang="en-US" dirty="0" smtClean="0"/>
+              <a:rPr lang="en-US" sz="1600" dirty="0" smtClean="0">
+                <a:latin typeface="Times New Roman" panose="02020603050405020304" pitchFamily="18" charset="0"/>
+                <a:cs typeface="Times New Roman" panose="02020603050405020304" pitchFamily="18" charset="0"/>
+              </a:rPr>
               <a:t>.</a:t>
             </a:r>
           </a:p>
           <a:p>
-            <a:endParaRPr lang="en-US" dirty="0"/>
+            <a:pPr marL="146050" indent="0">
+              <a:buNone/>
+            </a:pPr>
+            <a:endParaRPr lang="en-US" sz="1600" dirty="0" smtClean="0">
+              <a:latin typeface="Times New Roman" panose="02020603050405020304" pitchFamily="18" charset="0"/>
+              <a:cs typeface="Times New Roman" panose="02020603050405020304" pitchFamily="18" charset="0"/>
+            </a:endParaRPr>
           </a:p>
           <a:p>
             <a:r>
-              <a:rPr lang="en-US" b="1" dirty="0"/>
-              <a:t>Faculty advisors</a:t>
+              <a:rPr lang="en-US" sz="1600" dirty="0">
+                <a:latin typeface="Times New Roman" panose="02020603050405020304" pitchFamily="18" charset="0"/>
+                <a:cs typeface="Times New Roman" panose="02020603050405020304" pitchFamily="18" charset="0"/>
+              </a:rPr>
+              <a:t>Faculty advisors face heavy workload during registration days</a:t>
             </a:r>
             <a:r>
-              <a:rPr lang="en-US" dirty="0"/>
-              <a:t> handle a large number of students, leading to </a:t>
-            </a:r>
-            <a:r>
-              <a:rPr lang="en-US" b="1" dirty="0"/>
-              <a:t>delays, confusion, and high workload</a:t>
-            </a:r>
-            <a:r>
-              <a:rPr lang="en-US" dirty="0" smtClean="0"/>
+              <a:rPr lang="en-US" sz="1600" dirty="0" smtClean="0">
+                <a:latin typeface="Times New Roman" panose="02020603050405020304" pitchFamily="18" charset="0"/>
+                <a:cs typeface="Times New Roman" panose="02020603050405020304" pitchFamily="18" charset="0"/>
+              </a:rPr>
               <a:t>.</a:t>
             </a:r>
           </a:p>
           <a:p>
-            <a:endParaRPr lang="en-US" dirty="0"/>
+            <a:pPr marL="146050" indent="0">
+              <a:buNone/>
+            </a:pPr>
+            <a:endParaRPr lang="en-US" sz="1600" dirty="0" smtClean="0">
+              <a:latin typeface="Times New Roman" panose="02020603050405020304" pitchFamily="18" charset="0"/>
+              <a:cs typeface="Times New Roman" panose="02020603050405020304" pitchFamily="18" charset="0"/>
+            </a:endParaRPr>
           </a:p>
           <a:p>
             <a:r>
-              <a:rPr lang="en-US" dirty="0"/>
-              <a:t>Manual advising often results in </a:t>
+              <a:rPr lang="en-US" sz="1600" dirty="0">
+                <a:latin typeface="Times New Roman" panose="02020603050405020304" pitchFamily="18" charset="0"/>
+                <a:cs typeface="Times New Roman" panose="02020603050405020304" pitchFamily="18" charset="0"/>
+              </a:rPr>
+              <a:t>Manual advising causes errors, delays, and confusion in course planning</a:t>
             </a:r>
             <a:r>
-              <a:rPr lang="en-US" b="1" dirty="0"/>
-              <a:t>errors in course selection</a:t>
-            </a:r>
-            <a:r>
-              <a:rPr lang="en-US" dirty="0"/>
-              <a:t> and </a:t>
-            </a:r>
-            <a:r>
-              <a:rPr lang="en-US" b="1" dirty="0"/>
-              <a:t>inefficient academic planning</a:t>
-            </a:r>
-            <a:r>
-              <a:rPr lang="en-US" dirty="0" smtClean="0"/>
+              <a:rPr lang="en-US" sz="1600" dirty="0" smtClean="0">
+                <a:latin typeface="Times New Roman" panose="02020603050405020304" pitchFamily="18" charset="0"/>
+                <a:cs typeface="Times New Roman" panose="02020603050405020304" pitchFamily="18" charset="0"/>
+              </a:rPr>
               <a:t>.</a:t>
             </a:r>
+            <a:endParaRPr lang="en-US" sz="1600" dirty="0">
+              <a:latin typeface="Times New Roman" panose="02020603050405020304" pitchFamily="18" charset="0"/>
+              <a:cs typeface="Times New Roman" panose="02020603050405020304" pitchFamily="18" charset="0"/>
+            </a:endParaRPr>
           </a:p>
           <a:p>
-            <a:endParaRPr lang="en-US" dirty="0"/>
+            <a:pPr marL="146050" indent="0">
+              <a:buNone/>
+            </a:pPr>
+            <a:endParaRPr lang="en-US" sz="1600" dirty="0" smtClean="0">
+              <a:latin typeface="Times New Roman" panose="02020603050405020304" pitchFamily="18" charset="0"/>
+              <a:cs typeface="Times New Roman" panose="02020603050405020304" pitchFamily="18" charset="0"/>
+            </a:endParaRPr>
           </a:p>
           <a:p>
             <a:r>
-              <a:rPr lang="en-US" dirty="0"/>
-              <a:t>There is </a:t>
+              <a:rPr lang="en-US" sz="1600" dirty="0">
+                <a:latin typeface="Times New Roman" panose="02020603050405020304" pitchFamily="18" charset="0"/>
+                <a:cs typeface="Times New Roman" panose="02020603050405020304" pitchFamily="18" charset="0"/>
+              </a:rPr>
+              <a:t>There is no AI-based system to recommend courses based on student history and prerequisites.</a:t>
             </a:r>
-            <a:r>
-              <a:rPr lang="en-US" b="1" dirty="0"/>
-              <a:t>no intelligent system</a:t>
-            </a:r>
-            <a:r>
-              <a:rPr lang="en-US" dirty="0"/>
-              <a:t> that can recommend courses based on a student’s academic history, prerequisites, and CGPA improvement.</a:t>
-            </a:r>
-          </a:p>
-          <a:p>
-            <a:endParaRPr lang="en-US" dirty="0"/>
+            <a:endParaRPr lang="en-US" sz="1600" dirty="0">
+              <a:latin typeface="Times New Roman" panose="02020603050405020304" pitchFamily="18" charset="0"/>
+              <a:cs typeface="Times New Roman" panose="02020603050405020304" pitchFamily="18" charset="0"/>
+            </a:endParaRPr>
           </a:p>
         </p:txBody>
       </p:sp>
@@ -11333,92 +11903,111 @@
           </a:xfrm>
         </p:spPr>
         <p:txBody>
-          <a:bodyPr/>
+          <a:bodyPr>
+            <a:normAutofit/>
+          </a:bodyPr>
           <a:lstStyle/>
           <a:p>
             <a:r>
-              <a:rPr lang="en-US" dirty="0"/>
-              <a:t>Students and faculty face </a:t>
+              <a:rPr lang="en-US" sz="1600" dirty="0">
+                <a:latin typeface="Times New Roman" panose="02020603050405020304" pitchFamily="18" charset="0"/>
+                <a:cs typeface="Times New Roman" panose="02020603050405020304" pitchFamily="18" charset="0"/>
+              </a:rPr>
+              <a:t>E</a:t>
             </a:r>
             <a:r>
-              <a:rPr lang="en-US" b="1" dirty="0"/>
-              <a:t>stress and confusion</a:t>
+              <a:rPr lang="en-US" sz="1600" dirty="0" smtClean="0">
+                <a:latin typeface="Times New Roman" panose="02020603050405020304" pitchFamily="18" charset="0"/>
+                <a:cs typeface="Times New Roman" panose="02020603050405020304" pitchFamily="18" charset="0"/>
+              </a:rPr>
+              <a:t>very </a:t>
             </a:r>
             <a:r>
-              <a:rPr lang="en-US" dirty="0"/>
-              <a:t> during course registration every semester</a:t>
+              <a:rPr lang="en-US" sz="1600" dirty="0">
+                <a:latin typeface="Times New Roman" panose="02020603050405020304" pitchFamily="18" charset="0"/>
+                <a:cs typeface="Times New Roman" panose="02020603050405020304" pitchFamily="18" charset="0"/>
+              </a:rPr>
+              <a:t>semester, students face stress and confusion during course registration</a:t>
             </a:r>
             <a:r>
-              <a:rPr lang="en-US" dirty="0" smtClean="0"/>
+              <a:rPr lang="en-US" sz="1600" dirty="0" smtClean="0">
+                <a:latin typeface="Times New Roman" panose="02020603050405020304" pitchFamily="18" charset="0"/>
+                <a:cs typeface="Times New Roman" panose="02020603050405020304" pitchFamily="18" charset="0"/>
+              </a:rPr>
               <a:t>.</a:t>
             </a:r>
           </a:p>
           <a:p>
-            <a:endParaRPr lang="en-US" dirty="0"/>
+            <a:pPr marL="146050" indent="0">
+              <a:buNone/>
+            </a:pPr>
+            <a:endParaRPr lang="en-US" sz="1600" dirty="0" smtClean="0">
+              <a:latin typeface="Times New Roman" panose="02020603050405020304" pitchFamily="18" charset="0"/>
+              <a:cs typeface="Times New Roman" panose="02020603050405020304" pitchFamily="18" charset="0"/>
+            </a:endParaRPr>
           </a:p>
           <a:p>
             <a:r>
-              <a:rPr lang="en-US" dirty="0"/>
-              <a:t>Manual advising causes </a:t>
+              <a:rPr lang="en-US" sz="1600" dirty="0">
+                <a:latin typeface="Times New Roman" panose="02020603050405020304" pitchFamily="18" charset="0"/>
+                <a:cs typeface="Times New Roman" panose="02020603050405020304" pitchFamily="18" charset="0"/>
+              </a:rPr>
+              <a:t>Faculty handle large advising loads, leading to long queues and errors</a:t>
             </a:r>
             <a:r>
-              <a:rPr lang="en-US" b="1" dirty="0"/>
-              <a:t>delays, errors, and heavy workload</a:t>
-            </a:r>
-            <a:r>
-              <a:rPr lang="en-US" dirty="0"/>
-              <a:t> for faculty members</a:t>
-            </a:r>
-            <a:r>
-              <a:rPr lang="en-US" dirty="0" smtClean="0"/>
+              <a:rPr lang="en-US" sz="1600" dirty="0" smtClean="0">
+                <a:latin typeface="Times New Roman" panose="02020603050405020304" pitchFamily="18" charset="0"/>
+                <a:cs typeface="Times New Roman" panose="02020603050405020304" pitchFamily="18" charset="0"/>
+              </a:rPr>
               <a:t>.</a:t>
             </a:r>
           </a:p>
           <a:p>
-            <a:endParaRPr lang="en-US" dirty="0"/>
+            <a:pPr marL="146050" indent="0">
+              <a:buNone/>
+            </a:pPr>
+            <a:endParaRPr lang="en-US" sz="1600" dirty="0" smtClean="0">
+              <a:latin typeface="Times New Roman" panose="02020603050405020304" pitchFamily="18" charset="0"/>
+              <a:cs typeface="Times New Roman" panose="02020603050405020304" pitchFamily="18" charset="0"/>
+            </a:endParaRPr>
           </a:p>
           <a:p>
             <a:r>
-              <a:rPr lang="en-US" dirty="0"/>
-              <a:t>Students need </a:t>
+              <a:rPr lang="en-US" sz="1600" dirty="0">
+                <a:latin typeface="Times New Roman" panose="02020603050405020304" pitchFamily="18" charset="0"/>
+                <a:cs typeface="Times New Roman" panose="02020603050405020304" pitchFamily="18" charset="0"/>
+              </a:rPr>
+              <a:t>Manual process wastes time and affects academic planning</a:t>
             </a:r>
             <a:r>
-              <a:rPr lang="en-US" b="1" dirty="0"/>
-              <a:t>smart, personalized guidance</a:t>
-            </a:r>
-            <a:r>
-              <a:rPr lang="en-US" dirty="0"/>
-              <a:t> to choose the right courses</a:t>
-            </a:r>
-            <a:r>
-              <a:rPr lang="en-US" dirty="0" smtClean="0"/>
+              <a:rPr lang="en-US" sz="1600" dirty="0" smtClean="0">
+                <a:latin typeface="Times New Roman" panose="02020603050405020304" pitchFamily="18" charset="0"/>
+                <a:cs typeface="Times New Roman" panose="02020603050405020304" pitchFamily="18" charset="0"/>
+              </a:rPr>
               <a:t>.</a:t>
             </a:r>
           </a:p>
           <a:p>
-            <a:endParaRPr lang="en-US" dirty="0"/>
+            <a:pPr marL="146050" indent="0">
+              <a:buNone/>
+            </a:pPr>
+            <a:endParaRPr lang="en-US" sz="1600" dirty="0" smtClean="0">
+              <a:latin typeface="Times New Roman" panose="02020603050405020304" pitchFamily="18" charset="0"/>
+              <a:cs typeface="Times New Roman" panose="02020603050405020304" pitchFamily="18" charset="0"/>
+            </a:endParaRPr>
           </a:p>
           <a:p>
             <a:r>
-              <a:rPr lang="en-US" dirty="0"/>
-              <a:t>We aim to use </a:t>
+              <a:rPr lang="en-US" sz="1600" dirty="0">
+                <a:latin typeface="Times New Roman" panose="02020603050405020304" pitchFamily="18" charset="0"/>
+                <a:cs typeface="Times New Roman" panose="02020603050405020304" pitchFamily="18" charset="0"/>
+              </a:rPr>
+              <a:t>We aim to make advising faster, accurate, and effortless using AI.</a:t>
             </a:r>
-            <a:r>
-              <a:rPr lang="en-US" b="1" dirty="0"/>
-              <a:t>AI technology</a:t>
-            </a:r>
-            <a:r>
-              <a:rPr lang="en-US" dirty="0"/>
-              <a:t> to make advising </a:t>
-            </a:r>
-            <a:r>
-              <a:rPr lang="en-US" b="1" dirty="0"/>
-              <a:t>faster, accurate, and effortless</a:t>
-            </a:r>
-            <a:r>
-              <a:rPr lang="en-US" dirty="0"/>
-              <a:t> for everyone.</a:t>
-            </a:r>
+            <a:endParaRPr lang="en-US" sz="1600" dirty="0">
+              <a:latin typeface="Times New Roman" panose="02020603050405020304" pitchFamily="18" charset="0"/>
+              <a:cs typeface="Times New Roman" panose="02020603050405020304" pitchFamily="18" charset="0"/>
+            </a:endParaRPr>
           </a:p>
         </p:txBody>
       </p:sp>
@@ -11717,92 +12306,151 @@
         </p:nvSpPr>
         <p:spPr>
           <a:xfrm>
-            <a:off x="1297500" y="1798773"/>
-            <a:ext cx="7038900" cy="2300259"/>
+            <a:off x="1335440" y="1442224"/>
+            <a:ext cx="7038900" cy="2772937"/>
           </a:xfrm>
         </p:spPr>
         <p:txBody>
-          <a:bodyPr/>
+          <a:bodyPr>
+            <a:noAutofit/>
+          </a:bodyPr>
           <a:lstStyle/>
           <a:p>
             <a:r>
-              <a:rPr lang="en-US" dirty="0"/>
+              <a:rPr lang="en-US" sz="1600" dirty="0">
+                <a:latin typeface="Times New Roman" panose="02020603050405020304" pitchFamily="18" charset="0"/>
+                <a:cs typeface="Times New Roman" panose="02020603050405020304" pitchFamily="18" charset="0"/>
+              </a:rPr>
               <a:t>Academic advising is </a:t>
             </a:r>
             <a:r>
-              <a:rPr lang="en-US" b="1" dirty="0"/>
+              <a:rPr lang="en-US" sz="1600" b="1" dirty="0">
+                <a:latin typeface="Times New Roman" panose="02020603050405020304" pitchFamily="18" charset="0"/>
+                <a:cs typeface="Times New Roman" panose="02020603050405020304" pitchFamily="18" charset="0"/>
+              </a:rPr>
               <a:t>essential for student success</a:t>
             </a:r>
             <a:r>
-              <a:rPr lang="en-US" dirty="0"/>
+              <a:rPr lang="en-US" sz="1600" dirty="0">
+                <a:latin typeface="Times New Roman" panose="02020603050405020304" pitchFamily="18" charset="0"/>
+                <a:cs typeface="Times New Roman" panose="02020603050405020304" pitchFamily="18" charset="0"/>
+              </a:rPr>
               <a:t> in universities</a:t>
             </a:r>
             <a:r>
-              <a:rPr lang="en-US" dirty="0" smtClean="0"/>
+              <a:rPr lang="en-US" sz="1600" dirty="0" smtClean="0">
+                <a:latin typeface="Times New Roman" panose="02020603050405020304" pitchFamily="18" charset="0"/>
+                <a:cs typeface="Times New Roman" panose="02020603050405020304" pitchFamily="18" charset="0"/>
+              </a:rPr>
               <a:t>.</a:t>
             </a:r>
           </a:p>
           <a:p>
-            <a:endParaRPr lang="en-US" dirty="0"/>
+            <a:endParaRPr lang="en-US" sz="1600" dirty="0">
+              <a:latin typeface="Times New Roman" panose="02020603050405020304" pitchFamily="18" charset="0"/>
+              <a:cs typeface="Times New Roman" panose="02020603050405020304" pitchFamily="18" charset="0"/>
+            </a:endParaRPr>
           </a:p>
           <a:p>
             <a:r>
-              <a:rPr lang="en-US" dirty="0"/>
+              <a:rPr lang="en-US" sz="1600" dirty="0">
+                <a:latin typeface="Times New Roman" panose="02020603050405020304" pitchFamily="18" charset="0"/>
+                <a:cs typeface="Times New Roman" panose="02020603050405020304" pitchFamily="18" charset="0"/>
+              </a:rPr>
               <a:t>The traditional advising process is </a:t>
             </a:r>
             <a:r>
-              <a:rPr lang="en-US" b="1" dirty="0"/>
+              <a:rPr lang="en-US" sz="1600" b="1" dirty="0">
+                <a:latin typeface="Times New Roman" panose="02020603050405020304" pitchFamily="18" charset="0"/>
+                <a:cs typeface="Times New Roman" panose="02020603050405020304" pitchFamily="18" charset="0"/>
+              </a:rPr>
               <a:t>manual, time-consuming, and error-prone</a:t>
             </a:r>
             <a:r>
-              <a:rPr lang="en-US" dirty="0" smtClean="0"/>
+              <a:rPr lang="en-US" sz="1600" dirty="0" smtClean="0">
+                <a:latin typeface="Times New Roman" panose="02020603050405020304" pitchFamily="18" charset="0"/>
+                <a:cs typeface="Times New Roman" panose="02020603050405020304" pitchFamily="18" charset="0"/>
+              </a:rPr>
               <a:t>.</a:t>
             </a:r>
           </a:p>
           <a:p>
-            <a:endParaRPr lang="en-US" dirty="0"/>
+            <a:endParaRPr lang="en-US" sz="1600" dirty="0">
+              <a:latin typeface="Times New Roman" panose="02020603050405020304" pitchFamily="18" charset="0"/>
+              <a:cs typeface="Times New Roman" panose="02020603050405020304" pitchFamily="18" charset="0"/>
+            </a:endParaRPr>
           </a:p>
           <a:p>
             <a:r>
-              <a:rPr lang="en-US" dirty="0"/>
+              <a:rPr lang="en-US" sz="1600" dirty="0">
+                <a:latin typeface="Times New Roman" panose="02020603050405020304" pitchFamily="18" charset="0"/>
+                <a:cs typeface="Times New Roman" panose="02020603050405020304" pitchFamily="18" charset="0"/>
+              </a:rPr>
               <a:t>Students often </a:t>
             </a:r>
             <a:r>
-              <a:rPr lang="en-US" b="1" dirty="0"/>
+              <a:rPr lang="en-US" sz="1600" b="1" dirty="0">
+                <a:latin typeface="Times New Roman" panose="02020603050405020304" pitchFamily="18" charset="0"/>
+                <a:cs typeface="Times New Roman" panose="02020603050405020304" pitchFamily="18" charset="0"/>
+              </a:rPr>
               <a:t>struggle to plan courses</a:t>
             </a:r>
             <a:r>
-              <a:rPr lang="en-US" dirty="0"/>
+              <a:rPr lang="en-US" sz="1600" dirty="0">
+                <a:latin typeface="Times New Roman" panose="02020603050405020304" pitchFamily="18" charset="0"/>
+                <a:cs typeface="Times New Roman" panose="02020603050405020304" pitchFamily="18" charset="0"/>
+              </a:rPr>
               <a:t> after failures or academic breaks</a:t>
             </a:r>
             <a:r>
-              <a:rPr lang="en-US" dirty="0" smtClean="0"/>
+              <a:rPr lang="en-US" sz="1600" dirty="0" smtClean="0">
+                <a:latin typeface="Times New Roman" panose="02020603050405020304" pitchFamily="18" charset="0"/>
+                <a:cs typeface="Times New Roman" panose="02020603050405020304" pitchFamily="18" charset="0"/>
+              </a:rPr>
               <a:t>.</a:t>
             </a:r>
           </a:p>
           <a:p>
-            <a:endParaRPr lang="en-US" dirty="0"/>
+            <a:endParaRPr lang="en-US" sz="1600" dirty="0">
+              <a:latin typeface="Times New Roman" panose="02020603050405020304" pitchFamily="18" charset="0"/>
+              <a:cs typeface="Times New Roman" panose="02020603050405020304" pitchFamily="18" charset="0"/>
+            </a:endParaRPr>
           </a:p>
           <a:p>
             <a:r>
-              <a:rPr lang="en-US" b="1" dirty="0"/>
+              <a:rPr lang="en-US" sz="1600" b="1" dirty="0">
+                <a:latin typeface="Times New Roman" panose="02020603050405020304" pitchFamily="18" charset="0"/>
+                <a:cs typeface="Times New Roman" panose="02020603050405020304" pitchFamily="18" charset="0"/>
+              </a:rPr>
               <a:t>Advisify – AI Course Advisor</a:t>
             </a:r>
             <a:r>
-              <a:rPr lang="en-US" dirty="0"/>
+              <a:rPr lang="en-US" sz="1600" dirty="0">
+                <a:latin typeface="Times New Roman" panose="02020603050405020304" pitchFamily="18" charset="0"/>
+                <a:cs typeface="Times New Roman" panose="02020603050405020304" pitchFamily="18" charset="0"/>
+              </a:rPr>
               <a:t> automates advising using </a:t>
             </a:r>
             <a:r>
-              <a:rPr lang="en-US" b="1" dirty="0"/>
+              <a:rPr lang="en-US" sz="1600" b="1" dirty="0">
+                <a:latin typeface="Times New Roman" panose="02020603050405020304" pitchFamily="18" charset="0"/>
+                <a:cs typeface="Times New Roman" panose="02020603050405020304" pitchFamily="18" charset="0"/>
+              </a:rPr>
               <a:t>machine learning</a:t>
             </a:r>
             <a:r>
-              <a:rPr lang="en-US" dirty="0"/>
+              <a:rPr lang="en-US" sz="1600" dirty="0">
+                <a:latin typeface="Times New Roman" panose="02020603050405020304" pitchFamily="18" charset="0"/>
+                <a:cs typeface="Times New Roman" panose="02020603050405020304" pitchFamily="18" charset="0"/>
+              </a:rPr>
               <a:t> for smarter, data-driven course selection.</a:t>
             </a:r>
           </a:p>
           <a:p>
-            <a:endParaRPr lang="en-US" dirty="0"/>
+            <a:endParaRPr lang="en-US" sz="1600" dirty="0">
+              <a:latin typeface="Times New Roman" panose="02020603050405020304" pitchFamily="18" charset="0"/>
+              <a:cs typeface="Times New Roman" panose="02020603050405020304" pitchFamily="18" charset="0"/>
+            </a:endParaRPr>
           </a:p>
         </p:txBody>
       </p:sp>
@@ -11919,8 +12567,8 @@
         </p:nvSpPr>
         <p:spPr>
           <a:xfrm>
-            <a:off x="1297500" y="1567550"/>
-            <a:ext cx="7038900" cy="2911200"/>
+            <a:off x="1297500" y="1307850"/>
+            <a:ext cx="6880061" cy="3279018"/>
           </a:xfrm>
           <a:prstGeom prst="rect">
             <a:avLst/>
@@ -11928,14 +12576,14 @@
         </p:spPr>
         <p:txBody>
           <a:bodyPr spcFirstLastPara="1" wrap="square" lIns="91425" tIns="91425" rIns="91425" bIns="91425" anchor="t" anchorCtr="0">
-            <a:normAutofit/>
+            <a:noAutofit/>
           </a:bodyPr>
           <a:lstStyle/>
           <a:p>
             <a:pPr marL="146050" indent="0">
               <a:buNone/>
             </a:pPr>
-            <a:endParaRPr lang="en" b="1" dirty="0"/>
+            <a:endParaRPr lang="en" sz="1400" b="1" dirty="0" smtClean="0"/>
           </a:p>
           <a:p>
             <a:pPr>
@@ -11944,29 +12592,30 @@
               </a:lnSpc>
             </a:pPr>
             <a:r>
-              <a:rPr lang="en-US" dirty="0"/>
+              <a:rPr lang="en-US" sz="1400" dirty="0"/>
               <a:t>Develop an </a:t>
             </a:r>
             <a:r>
-              <a:rPr lang="en-US" b="1" dirty="0"/>
+              <a:rPr lang="en-US" sz="1400" b="1" dirty="0"/>
               <a:t>AI-powered system</a:t>
             </a:r>
             <a:r>
-              <a:rPr lang="en-US" dirty="0"/>
-              <a:t> to recommend suitable courses for students</a:t>
+              <a:rPr lang="en-US" sz="1400" dirty="0"/>
+              <a:t> for course recommendations</a:t>
             </a:r>
             <a:r>
-              <a:rPr lang="en-US" dirty="0" smtClean="0"/>
+              <a:rPr lang="en-US" sz="1400" dirty="0" smtClean="0"/>
               <a:t>.</a:t>
             </a:r>
           </a:p>
           <a:p>
-            <a:pPr>
+            <a:pPr marL="146050" indent="0">
               <a:lnSpc>
                 <a:spcPct val="114999"/>
               </a:lnSpc>
+              <a:buNone/>
             </a:pPr>
-            <a:endParaRPr lang="en-US" dirty="0"/>
+            <a:endParaRPr lang="en-US" sz="1400" dirty="0" smtClean="0"/>
           </a:p>
           <a:p>
             <a:pPr>
@@ -11975,29 +12624,22 @@
               </a:lnSpc>
             </a:pPr>
             <a:r>
-              <a:rPr lang="en-US" dirty="0"/>
-              <a:t>Use </a:t>
+              <a:rPr lang="en-US" sz="1400" dirty="0"/>
+              <a:t>Analyze academic history to suggest the most suitable courses</a:t>
             </a:r>
             <a:r>
-              <a:rPr lang="en-US" b="1" dirty="0"/>
-              <a:t>machine learning</a:t>
-            </a:r>
-            <a:r>
-              <a:rPr lang="en-US" dirty="0"/>
-              <a:t> to analyze academic data and suggest optimal course combinations</a:t>
-            </a:r>
-            <a:r>
-              <a:rPr lang="en-US" dirty="0" smtClean="0"/>
+              <a:rPr lang="en-US" sz="1400" dirty="0" smtClean="0"/>
               <a:t>.</a:t>
             </a:r>
           </a:p>
           <a:p>
-            <a:pPr>
+            <a:pPr marL="146050" indent="0">
               <a:lnSpc>
                 <a:spcPct val="114999"/>
               </a:lnSpc>
+              <a:buNone/>
             </a:pPr>
-            <a:endParaRPr lang="en-US" dirty="0"/>
+            <a:endParaRPr lang="en-US" sz="1400" dirty="0" smtClean="0"/>
           </a:p>
           <a:p>
             <a:pPr>
@@ -12006,57 +12648,123 @@
               </a:lnSpc>
             </a:pPr>
             <a:r>
-              <a:rPr lang="en-US" dirty="0"/>
-              <a:t>Provide a </a:t>
+              <a:rPr lang="en-US" sz="1400" dirty="0" smtClean="0"/>
+              <a:t>Design </a:t>
             </a:r>
             <a:r>
-              <a:rPr lang="en-US" b="1" dirty="0"/>
-              <a:t>faculty approval workflow</a:t>
+              <a:rPr lang="en-US" sz="1400" dirty="0"/>
+              <a:t>three main modules</a:t>
             </a:r>
             <a:r>
-              <a:rPr lang="en-US" dirty="0"/>
-              <a:t> for reviewing and validating student selections</a:t>
+              <a:rPr lang="en-US" sz="1400" dirty="0" smtClean="0"/>
+              <a:t>:</a:t>
+            </a:r>
+          </a:p>
+          <a:p>
+            <a:pPr marL="146050" indent="0">
+              <a:lnSpc>
+                <a:spcPct val="114999"/>
+              </a:lnSpc>
+              <a:buNone/>
+            </a:pPr>
+            <a:endParaRPr lang="en-US" sz="1400" dirty="0" smtClean="0"/>
+          </a:p>
+          <a:p>
+            <a:pPr marL="488950" indent="-342900">
+              <a:lnSpc>
+                <a:spcPct val="114999"/>
+              </a:lnSpc>
+              <a:buFont typeface="+mj-lt"/>
+              <a:buAutoNum type="arabicPeriod"/>
+            </a:pPr>
+            <a:r>
+              <a:rPr lang="en-US" sz="1400" b="1" dirty="0"/>
+              <a:t>Student Module</a:t>
             </a:r>
             <a:r>
-              <a:rPr lang="en-US" dirty="0" smtClean="0"/>
+              <a:rPr lang="en-US" sz="1400" dirty="0"/>
+              <a:t> – for uploading data and receiving AI recommendations</a:t>
+            </a:r>
+            <a:r>
+              <a:rPr lang="en-US" sz="1400" dirty="0" smtClean="0"/>
               <a:t>.</a:t>
             </a:r>
           </a:p>
           <a:p>
-            <a:pPr>
+            <a:pPr marL="488950" indent="-342900">
               <a:lnSpc>
                 <a:spcPct val="114999"/>
               </a:lnSpc>
+              <a:buFont typeface="+mj-lt"/>
+              <a:buAutoNum type="arabicPeriod"/>
             </a:pPr>
-            <a:endParaRPr lang="en-US" dirty="0"/>
+            <a:r>
+              <a:rPr lang="en-US" sz="1400" b="1" dirty="0"/>
+              <a:t>Faculty Module</a:t>
+            </a:r>
+            <a:r>
+              <a:rPr lang="en-US" sz="1400" dirty="0"/>
+              <a:t> – for reviewing and approving student course plans</a:t>
+            </a:r>
+            <a:r>
+              <a:rPr lang="en-US" sz="1400" dirty="0" smtClean="0"/>
+              <a:t>.</a:t>
+            </a:r>
           </a:p>
           <a:p>
-            <a:pPr>
+            <a:pPr marL="488950" indent="-342900">
               <a:lnSpc>
                 <a:spcPct val="114999"/>
               </a:lnSpc>
+              <a:buFont typeface="+mj-lt"/>
+              <a:buAutoNum type="arabicPeriod"/>
             </a:pPr>
             <a:r>
-              <a:rPr lang="en-US" dirty="0"/>
+              <a:rPr lang="en-US" sz="1400" b="1" dirty="0"/>
+              <a:t>Admin Module</a:t>
+            </a:r>
+            <a:r>
+              <a:rPr lang="en-US" sz="1400" dirty="0"/>
+              <a:t> – for managing users, courses, and AI datasets</a:t>
+            </a:r>
+            <a:r>
+              <a:rPr lang="en-US" sz="1400" dirty="0" smtClean="0"/>
+              <a:t>.</a:t>
+            </a:r>
+          </a:p>
+          <a:p>
+            <a:pPr marL="146050" indent="0">
+              <a:lnSpc>
+                <a:spcPct val="114999"/>
+              </a:lnSpc>
+              <a:buNone/>
+            </a:pPr>
+            <a:endParaRPr lang="en-US" sz="1400" dirty="0" smtClean="0"/>
+          </a:p>
+          <a:p>
+            <a:pPr marL="146050" indent="0">
+              <a:lnSpc>
+                <a:spcPct val="114999"/>
+              </a:lnSpc>
+              <a:buNone/>
+            </a:pPr>
+            <a:r>
+              <a:rPr lang="en-US" sz="1400" dirty="0" smtClean="0"/>
               <a:t>Reduce </a:t>
             </a:r>
             <a:r>
-              <a:rPr lang="en-US" b="1" dirty="0"/>
-              <a:t>manual workload</a:t>
+              <a:rPr lang="en-US" sz="1400" dirty="0"/>
+              <a:t>manual workload and improve the </a:t>
             </a:r>
             <a:r>
-              <a:rPr lang="en-US" dirty="0"/>
-              <a:t> and improve the </a:t>
-            </a:r>
-            <a:r>
-              <a:rPr lang="en-US" b="1" dirty="0"/>
+              <a:rPr lang="en-US" sz="1400" b="1" dirty="0"/>
               <a:t>accuracy and speed</a:t>
             </a:r>
             <a:r>
-              <a:rPr lang="en-US" dirty="0"/>
+              <a:rPr lang="en-US" sz="1400" dirty="0"/>
               <a:t> of the registration process.</a:t>
             </a:r>
-            <a:endParaRPr lang="en" dirty="0"/>
+            <a:endParaRPr lang="en" sz="1400" dirty="0" smtClean="0"/>
           </a:p>
           <a:p>
             <a:pPr marL="457200" lvl="0" indent="-311150" algn="l">
@@ -12072,7 +12780,7 @@
               <a:buSzPts val="1300"/>
               <a:buChar char="●"/>
             </a:pPr>
-            <a:endParaRPr lang="en" dirty="0"/>
+            <a:endParaRPr lang="en" sz="1400" dirty="0"/>
           </a:p>
         </p:txBody>
       </p:sp>
@@ -12188,6 +12896,390 @@
 </file>
 
 <file path=ppt/slides/slide7.xml><?xml version="1.0" encoding="utf-8"?>
+<p:sld xmlns:a="http://schemas.openxmlformats.org/drawingml/2006/main" xmlns:r="http://schemas.openxmlformats.org/officeDocument/2006/relationships" xmlns:p="http://schemas.openxmlformats.org/presentationml/2006/main">
+  <p:cSld>
+    <p:spTree>
+      <p:nvGrpSpPr>
+        <p:cNvPr id="1" name=""/>
+        <p:cNvGrpSpPr/>
+        <p:nvPr/>
+      </p:nvGrpSpPr>
+      <p:grpSpPr>
+        <a:xfrm>
+          <a:off x="0" y="0"/>
+          <a:ext cx="0" cy="0"/>
+          <a:chOff x="0" y="0"/>
+          <a:chExt cx="0" cy="0"/>
+        </a:xfrm>
+      </p:grpSpPr>
+      <p:sp>
+        <p:nvSpPr>
+          <p:cNvPr id="4" name="Slide Number Placeholder 3"/>
+          <p:cNvSpPr>
+            <a:spLocks noGrp="1"/>
+          </p:cNvSpPr>
+          <p:nvPr>
+            <p:ph type="sldNum" idx="12"/>
+          </p:nvPr>
+        </p:nvSpPr>
+        <p:spPr/>
+        <p:txBody>
+          <a:bodyPr/>
+          <a:lstStyle/>
+          <a:p>
+            <a:pPr marL="0" lvl="0" indent="0" algn="r" rtl="0">
+              <a:spcBef>
+                <a:spcPts val="0"/>
+              </a:spcBef>
+              <a:spcAft>
+                <a:spcPts val="0"/>
+              </a:spcAft>
+              <a:buNone/>
+            </a:pPr>
+            <a:fld id="{00000000-1234-1234-1234-123412341234}" type="slidenum">
+              <a:rPr lang="en" smtClean="0"/>
+              <a:t>7</a:t>
+            </a:fld>
+            <a:endParaRPr lang="en"/>
+          </a:p>
+        </p:txBody>
+      </p:sp>
+      <p:pic>
+        <p:nvPicPr>
+          <p:cNvPr id="5" name="Google Shape;192;p19"/>
+          <p:cNvPicPr preferRelativeResize="0"/>
+          <p:nvPr/>
+        </p:nvPicPr>
+        <p:blipFill>
+          <a:blip r:embed="rId2">
+            <a:alphaModFix/>
+          </a:blip>
+          <a:stretch>
+            <a:fillRect/>
+          </a:stretch>
+        </p:blipFill>
+        <p:spPr>
+          <a:xfrm>
+            <a:off x="7563982" y="76793"/>
+            <a:ext cx="1386475" cy="1127600"/>
+          </a:xfrm>
+          <a:prstGeom prst="rect">
+            <a:avLst/>
+          </a:prstGeom>
+          <a:noFill/>
+          <a:ln>
+            <a:noFill/>
+          </a:ln>
+        </p:spPr>
+      </p:pic>
+      <p:sp>
+        <p:nvSpPr>
+          <p:cNvPr id="7" name="Google Shape;188;p19"/>
+          <p:cNvSpPr txBox="1">
+            <a:spLocks noGrp="1"/>
+          </p:cNvSpPr>
+          <p:nvPr>
+            <p:ph type="title"/>
+          </p:nvPr>
+        </p:nvSpPr>
+        <p:spPr>
+          <a:xfrm>
+            <a:off x="1218319" y="238254"/>
+            <a:ext cx="7038900" cy="914100"/>
+          </a:xfrm>
+          <a:prstGeom prst="rect">
+            <a:avLst/>
+          </a:prstGeom>
+        </p:spPr>
+        <p:txBody>
+          <a:bodyPr spcFirstLastPara="1" wrap="square" lIns="91425" tIns="91425" rIns="91425" bIns="91425" anchor="t" anchorCtr="0">
+            <a:normAutofit/>
+          </a:bodyPr>
+          <a:lstStyle/>
+          <a:p>
+            <a:pPr marL="0" lvl="0" indent="0" algn="ctr" rtl="0">
+              <a:spcBef>
+                <a:spcPts val="0"/>
+              </a:spcBef>
+              <a:spcAft>
+                <a:spcPts val="0"/>
+              </a:spcAft>
+              <a:buNone/>
+            </a:pPr>
+            <a:r>
+              <a:rPr lang="en" sz="2900" dirty="0">
+                <a:latin typeface="Times New Roman"/>
+                <a:ea typeface="Times New Roman"/>
+                <a:cs typeface="Times New Roman"/>
+                <a:sym typeface="Times New Roman"/>
+              </a:rPr>
+              <a:t>Methodology</a:t>
+            </a:r>
+            <a:endParaRPr sz="2900" dirty="0">
+              <a:latin typeface="Times New Roman"/>
+              <a:ea typeface="Times New Roman"/>
+              <a:cs typeface="Times New Roman"/>
+              <a:sym typeface="Times New Roman"/>
+            </a:endParaRPr>
+          </a:p>
+          <a:p>
+            <a:pPr marL="0" lvl="0" indent="0" algn="ctr" rtl="0">
+              <a:spcBef>
+                <a:spcPts val="0"/>
+              </a:spcBef>
+              <a:spcAft>
+                <a:spcPts val="0"/>
+              </a:spcAft>
+              <a:buNone/>
+            </a:pPr>
+            <a:endParaRPr sz="2900" dirty="0">
+              <a:latin typeface="Times New Roman"/>
+              <a:ea typeface="Times New Roman"/>
+              <a:cs typeface="Times New Roman"/>
+              <a:sym typeface="Times New Roman"/>
+            </a:endParaRPr>
+          </a:p>
+        </p:txBody>
+      </p:sp>
+      <p:sp>
+        <p:nvSpPr>
+          <p:cNvPr id="8" name="Google Shape;171;p17"/>
+          <p:cNvSpPr txBox="1">
+            <a:spLocks noGrp="1"/>
+          </p:cNvSpPr>
+          <p:nvPr>
+            <p:ph type="body" idx="1"/>
+          </p:nvPr>
+        </p:nvSpPr>
+        <p:spPr>
+          <a:xfrm>
+            <a:off x="1297500" y="1313815"/>
+            <a:ext cx="7038900" cy="2911200"/>
+          </a:xfrm>
+          <a:prstGeom prst="rect">
+            <a:avLst/>
+          </a:prstGeom>
+        </p:spPr>
+        <p:txBody>
+          <a:bodyPr spcFirstLastPara="1" wrap="square" lIns="91425" tIns="91425" rIns="91425" bIns="91425" anchor="t" anchorCtr="0">
+            <a:noAutofit/>
+          </a:bodyPr>
+          <a:lstStyle/>
+          <a:p>
+            <a:pPr marL="146050" indent="0">
+              <a:buNone/>
+            </a:pPr>
+            <a:endParaRPr lang="en" sz="1600" b="1" dirty="0" smtClean="0">
+              <a:latin typeface="Times New Roman" panose="02020603050405020304" pitchFamily="18" charset="0"/>
+              <a:cs typeface="Times New Roman" panose="02020603050405020304" pitchFamily="18" charset="0"/>
+            </a:endParaRPr>
+          </a:p>
+          <a:p>
+            <a:pPr lvl="0">
+              <a:lnSpc>
+                <a:spcPct val="114999"/>
+              </a:lnSpc>
+            </a:pPr>
+            <a:r>
+              <a:rPr lang="en-US" sz="1600" dirty="0">
+                <a:latin typeface="Times New Roman" panose="02020603050405020304" pitchFamily="18" charset="0"/>
+                <a:cs typeface="Times New Roman" panose="02020603050405020304" pitchFamily="18" charset="0"/>
+              </a:rPr>
+              <a:t>Collect and clean historical student data</a:t>
+            </a:r>
+            <a:r>
+              <a:rPr lang="en-US" sz="1600" dirty="0" smtClean="0">
+                <a:latin typeface="Times New Roman" panose="02020603050405020304" pitchFamily="18" charset="0"/>
+                <a:cs typeface="Times New Roman" panose="02020603050405020304" pitchFamily="18" charset="0"/>
+              </a:rPr>
+              <a:t>.</a:t>
+            </a:r>
+          </a:p>
+          <a:p>
+            <a:pPr marL="146050" lvl="0" indent="0">
+              <a:lnSpc>
+                <a:spcPct val="114999"/>
+              </a:lnSpc>
+              <a:buNone/>
+            </a:pPr>
+            <a:endParaRPr lang="en-US" sz="1600" dirty="0" smtClean="0">
+              <a:latin typeface="Times New Roman" panose="02020603050405020304" pitchFamily="18" charset="0"/>
+              <a:cs typeface="Times New Roman" panose="02020603050405020304" pitchFamily="18" charset="0"/>
+            </a:endParaRPr>
+          </a:p>
+          <a:p>
+            <a:pPr lvl="0">
+              <a:lnSpc>
+                <a:spcPct val="114999"/>
+              </a:lnSpc>
+            </a:pPr>
+            <a:r>
+              <a:rPr lang="en-US" sz="1600" dirty="0">
+                <a:latin typeface="Times New Roman" panose="02020603050405020304" pitchFamily="18" charset="0"/>
+                <a:cs typeface="Times New Roman" panose="02020603050405020304" pitchFamily="18" charset="0"/>
+              </a:rPr>
+              <a:t>Train ML model to predict suitable courses</a:t>
+            </a:r>
+            <a:r>
+              <a:rPr lang="en-US" sz="1600" dirty="0" smtClean="0">
+                <a:latin typeface="Times New Roman" panose="02020603050405020304" pitchFamily="18" charset="0"/>
+                <a:cs typeface="Times New Roman" panose="02020603050405020304" pitchFamily="18" charset="0"/>
+              </a:rPr>
+              <a:t>.</a:t>
+            </a:r>
+          </a:p>
+          <a:p>
+            <a:pPr marL="146050" lvl="0" indent="0">
+              <a:lnSpc>
+                <a:spcPct val="114999"/>
+              </a:lnSpc>
+              <a:buNone/>
+            </a:pPr>
+            <a:endParaRPr lang="en-US" sz="1600" dirty="0" smtClean="0">
+              <a:latin typeface="Times New Roman" panose="02020603050405020304" pitchFamily="18" charset="0"/>
+              <a:cs typeface="Times New Roman" panose="02020603050405020304" pitchFamily="18" charset="0"/>
+            </a:endParaRPr>
+          </a:p>
+          <a:p>
+            <a:pPr lvl="0">
+              <a:lnSpc>
+                <a:spcPct val="114999"/>
+              </a:lnSpc>
+            </a:pPr>
+            <a:r>
+              <a:rPr lang="en-US" sz="1600" dirty="0">
+                <a:latin typeface="Times New Roman" panose="02020603050405020304" pitchFamily="18" charset="0"/>
+                <a:cs typeface="Times New Roman" panose="02020603050405020304" pitchFamily="18" charset="0"/>
+              </a:rPr>
+              <a:t>Build web system using Next.js + </a:t>
+            </a:r>
+            <a:r>
+              <a:rPr lang="en-US" sz="1600" dirty="0" err="1">
+                <a:latin typeface="Times New Roman" panose="02020603050405020304" pitchFamily="18" charset="0"/>
+                <a:cs typeface="Times New Roman" panose="02020603050405020304" pitchFamily="18" charset="0"/>
+              </a:rPr>
+              <a:t>FastAPI</a:t>
+            </a:r>
+            <a:r>
+              <a:rPr lang="en-US" sz="1600" dirty="0">
+                <a:latin typeface="Times New Roman" panose="02020603050405020304" pitchFamily="18" charset="0"/>
+                <a:cs typeface="Times New Roman" panose="02020603050405020304" pitchFamily="18" charset="0"/>
+              </a:rPr>
+              <a:t> + PostgreSQL</a:t>
+            </a:r>
+            <a:r>
+              <a:rPr lang="en-US" sz="1600" dirty="0" smtClean="0">
+                <a:latin typeface="Times New Roman" panose="02020603050405020304" pitchFamily="18" charset="0"/>
+                <a:cs typeface="Times New Roman" panose="02020603050405020304" pitchFamily="18" charset="0"/>
+              </a:rPr>
+              <a:t>.</a:t>
+            </a:r>
+          </a:p>
+          <a:p>
+            <a:pPr marL="146050" lvl="0" indent="0">
+              <a:lnSpc>
+                <a:spcPct val="114999"/>
+              </a:lnSpc>
+              <a:buNone/>
+            </a:pPr>
+            <a:endParaRPr lang="en-US" sz="1600" dirty="0" smtClean="0">
+              <a:latin typeface="Times New Roman" panose="02020603050405020304" pitchFamily="18" charset="0"/>
+              <a:cs typeface="Times New Roman" panose="02020603050405020304" pitchFamily="18" charset="0"/>
+            </a:endParaRPr>
+          </a:p>
+          <a:p>
+            <a:pPr lvl="0">
+              <a:lnSpc>
+                <a:spcPct val="114999"/>
+              </a:lnSpc>
+            </a:pPr>
+            <a:r>
+              <a:rPr lang="en-US" sz="1600" dirty="0">
+                <a:latin typeface="Times New Roman" panose="02020603050405020304" pitchFamily="18" charset="0"/>
+                <a:cs typeface="Times New Roman" panose="02020603050405020304" pitchFamily="18" charset="0"/>
+              </a:rPr>
+              <a:t>Integrate AI with web modules (Student / Faculty / Admin</a:t>
+            </a:r>
+            <a:r>
+              <a:rPr lang="en-US" sz="1600" dirty="0" smtClean="0">
+                <a:latin typeface="Times New Roman" panose="02020603050405020304" pitchFamily="18" charset="0"/>
+                <a:cs typeface="Times New Roman" panose="02020603050405020304" pitchFamily="18" charset="0"/>
+              </a:rPr>
+              <a:t>).</a:t>
+            </a:r>
+          </a:p>
+          <a:p>
+            <a:pPr marL="146050" lvl="0" indent="0">
+              <a:lnSpc>
+                <a:spcPct val="114999"/>
+              </a:lnSpc>
+              <a:buNone/>
+            </a:pPr>
+            <a:endParaRPr lang="en-US" sz="1600" dirty="0" smtClean="0">
+              <a:latin typeface="Times New Roman" panose="02020603050405020304" pitchFamily="18" charset="0"/>
+              <a:cs typeface="Times New Roman" panose="02020603050405020304" pitchFamily="18" charset="0"/>
+            </a:endParaRPr>
+          </a:p>
+          <a:p>
+            <a:pPr lvl="0">
+              <a:lnSpc>
+                <a:spcPct val="114999"/>
+              </a:lnSpc>
+            </a:pPr>
+            <a:r>
+              <a:rPr lang="en-US" sz="1600" dirty="0">
+                <a:latin typeface="Times New Roman" panose="02020603050405020304" pitchFamily="18" charset="0"/>
+                <a:cs typeface="Times New Roman" panose="02020603050405020304" pitchFamily="18" charset="0"/>
+              </a:rPr>
+              <a:t>Test, evaluate, and refine model recommendations.</a:t>
+            </a:r>
+            <a:endParaRPr lang="en" sz="1600" dirty="0">
+              <a:latin typeface="Times New Roman" panose="02020603050405020304" pitchFamily="18" charset="0"/>
+              <a:cs typeface="Times New Roman" panose="02020603050405020304" pitchFamily="18" charset="0"/>
+            </a:endParaRPr>
+          </a:p>
+        </p:txBody>
+      </p:sp>
+      <p:cxnSp>
+        <p:nvCxnSpPr>
+          <p:cNvPr id="10" name="Google Shape;190;p19"/>
+          <p:cNvCxnSpPr/>
+          <p:nvPr/>
+        </p:nvCxnSpPr>
+        <p:spPr>
+          <a:xfrm rot="10800000" flipH="1">
+            <a:off x="1910951" y="870724"/>
+            <a:ext cx="5541600" cy="34800"/>
+          </a:xfrm>
+          <a:prstGeom prst="straightConnector1">
+            <a:avLst/>
+          </a:prstGeom>
+          <a:noFill/>
+          <a:ln w="28575" cap="flat" cmpd="sng">
+            <a:solidFill>
+              <a:schemeClr val="dk2"/>
+            </a:solidFill>
+            <a:prstDash val="solid"/>
+            <a:round/>
+            <a:headEnd type="none" w="med" len="med"/>
+            <a:tailEnd type="none" w="med" len="med"/>
+          </a:ln>
+        </p:spPr>
+      </p:cxnSp>
+    </p:spTree>
+    <p:extLst>
+      <p:ext uri="{BB962C8B-B14F-4D97-AF65-F5344CB8AC3E}">
+        <p14:creationId xmlns:p14="http://schemas.microsoft.com/office/powerpoint/2010/main" val="1187310145"/>
+      </p:ext>
+    </p:extLst>
+  </p:cSld>
+  <p:clrMapOvr>
+    <a:masterClrMapping/>
+  </p:clrMapOvr>
+</p:sld>
+</file>
+
+<file path=ppt/slides/slide8.xml><?xml version="1.0" encoding="utf-8"?>
 <p:sld xmlns:a="http://schemas.openxmlformats.org/drawingml/2006/main" xmlns:r="http://schemas.openxmlformats.org/officeDocument/2006/relationships" xmlns:p="http://schemas.openxmlformats.org/presentationml/2006/main">
   <p:cSld>
     <p:spTree>
@@ -12335,7 +13427,7 @@
             </a:pPr>
             <a:fld id="{00000000-1234-1234-1234-123412341234}" type="slidenum">
               <a:rPr lang="en"/>
-              <a:t>7</a:t>
+              <a:t>8</a:t>
             </a:fld>
             <a:endParaRPr/>
           </a:p>
@@ -12876,7 +13968,7 @@
 </p:sld>
 </file>
 
-<file path=ppt/slides/slide8.xml><?xml version="1.0" encoding="utf-8"?>
+<file path=ppt/slides/slide9.xml><?xml version="1.0" encoding="utf-8"?>
 <p:sld xmlns:a="http://schemas.openxmlformats.org/drawingml/2006/main" xmlns:r="http://schemas.openxmlformats.org/officeDocument/2006/relationships" xmlns:p="http://schemas.openxmlformats.org/presentationml/2006/main">
   <p:cSld>
     <p:spTree>
@@ -13053,7 +14145,7 @@
             </a:pPr>
             <a:fld id="{00000000-1234-1234-1234-123412341234}" type="slidenum">
               <a:rPr lang="en"/>
-              <a:t>8</a:t>
+              <a:t>9</a:t>
             </a:fld>
             <a:endParaRPr/>
           </a:p>
@@ -13160,835 +14252,110 @@
       </p:sp>
       <p:sp>
         <p:nvSpPr>
-          <p:cNvPr id="9" name="Rectangle 8"/>
+          <p:cNvPr id="3" name="Rectangle 2"/>
           <p:cNvSpPr/>
           <p:nvPr/>
         </p:nvSpPr>
         <p:spPr>
           <a:xfrm>
-            <a:off x="266399" y="1778013"/>
-            <a:ext cx="4469151" cy="1384995"/>
+            <a:off x="148681" y="1615625"/>
+            <a:ext cx="4393582" cy="3047591"/>
           </a:xfrm>
           <a:prstGeom prst="rect">
             <a:avLst/>
           </a:prstGeom>
+          <a:blipFill dpi="0" rotWithShape="1">
+            <a:blip r:embed="rId4">
+              <a:extLst>
+                <a:ext uri="{28A0092B-C50C-407E-A947-70E740481C1C}">
+                  <a14:useLocalDpi xmlns:a14="http://schemas.microsoft.com/office/drawing/2010/main" val="0"/>
+                </a:ext>
+              </a:extLst>
+            </a:blip>
+            <a:srcRect/>
+            <a:stretch>
+              <a:fillRect/>
+            </a:stretch>
+          </a:blipFill>
         </p:spPr>
+        <p:style>
+          <a:lnRef idx="2">
+            <a:schemeClr val="accent1">
+              <a:shade val="50000"/>
+            </a:schemeClr>
+          </a:lnRef>
+          <a:fillRef idx="1">
+            <a:schemeClr val="accent1"/>
+          </a:fillRef>
+          <a:effectRef idx="0">
+            <a:schemeClr val="accent1"/>
+          </a:effectRef>
+          <a:fontRef idx="minor">
+            <a:schemeClr val="lt1"/>
+          </a:fontRef>
+        </p:style>
         <p:txBody>
-          <a:bodyPr wrap="square">
-            <a:spAutoFit/>
-          </a:bodyPr>
+          <a:bodyPr rtlCol="0" anchor="ctr"/>
           <a:lstStyle/>
           <a:p>
-            <a:pPr marL="285750" indent="-285750">
-              <a:buClr>
-                <a:schemeClr val="bg1"/>
-              </a:buClr>
-              <a:buFont typeface="Wingdings" panose="05000000000000000000" pitchFamily="2" charset="2"/>
-              <a:buChar char="v"/>
-            </a:pPr>
-            <a:r>
-              <a:rPr lang="en-US" sz="1200" dirty="0">
-                <a:solidFill>
-                  <a:schemeClr val="bg1"/>
-                </a:solidFill>
-                <a:latin typeface="Times New Roman" panose="02020603050405020304" pitchFamily="18" charset="0"/>
-                <a:cs typeface="Times New Roman" panose="02020603050405020304" pitchFamily="18" charset="0"/>
-              </a:rPr>
-              <a:t>Requirement gathering &amp; </a:t>
-            </a:r>
-            <a:r>
-              <a:rPr lang="en-US" sz="1200" dirty="0" smtClean="0">
-                <a:solidFill>
-                  <a:schemeClr val="bg1"/>
-                </a:solidFill>
-                <a:latin typeface="Times New Roman" panose="02020603050405020304" pitchFamily="18" charset="0"/>
-                <a:cs typeface="Times New Roman" panose="02020603050405020304" pitchFamily="18" charset="0"/>
-              </a:rPr>
-              <a:t>analysis.</a:t>
-            </a:r>
-          </a:p>
-          <a:p>
-            <a:pPr marL="285750" indent="-285750">
-              <a:buClr>
-                <a:schemeClr val="bg1"/>
-              </a:buClr>
-              <a:buFont typeface="Wingdings" panose="05000000000000000000" pitchFamily="2" charset="2"/>
-              <a:buChar char="v"/>
-            </a:pPr>
-            <a:r>
-              <a:rPr lang="en-US" sz="1200" dirty="0">
-                <a:solidFill>
-                  <a:schemeClr val="bg1"/>
-                </a:solidFill>
-                <a:latin typeface="Times New Roman" panose="02020603050405020304" pitchFamily="18" charset="0"/>
-                <a:cs typeface="Times New Roman" panose="02020603050405020304" pitchFamily="18" charset="0"/>
-              </a:rPr>
-              <a:t>System and database </a:t>
-            </a:r>
-            <a:r>
-              <a:rPr lang="en-US" sz="1200" dirty="0" smtClean="0">
-                <a:solidFill>
-                  <a:schemeClr val="bg1"/>
-                </a:solidFill>
-                <a:latin typeface="Times New Roman" panose="02020603050405020304" pitchFamily="18" charset="0"/>
-                <a:cs typeface="Times New Roman" panose="02020603050405020304" pitchFamily="18" charset="0"/>
-              </a:rPr>
-              <a:t>design.</a:t>
-            </a:r>
-          </a:p>
-          <a:p>
-            <a:pPr marL="285750" indent="-285750">
-              <a:buClr>
-                <a:schemeClr val="bg1"/>
-              </a:buClr>
-              <a:buFont typeface="Wingdings" panose="05000000000000000000" pitchFamily="2" charset="2"/>
-              <a:buChar char="v"/>
-            </a:pPr>
-            <a:r>
-              <a:rPr lang="en-US" sz="1200" dirty="0">
-                <a:solidFill>
-                  <a:schemeClr val="bg1"/>
-                </a:solidFill>
-                <a:latin typeface="Times New Roman" panose="02020603050405020304" pitchFamily="18" charset="0"/>
-                <a:cs typeface="Times New Roman" panose="02020603050405020304" pitchFamily="18" charset="0"/>
-              </a:rPr>
-              <a:t>Frontend basic structure (Next.js setup</a:t>
-            </a:r>
-            <a:r>
-              <a:rPr lang="en-US" sz="1200" dirty="0" smtClean="0">
-                <a:solidFill>
-                  <a:schemeClr val="bg1"/>
-                </a:solidFill>
-                <a:latin typeface="Times New Roman" panose="02020603050405020304" pitchFamily="18" charset="0"/>
-                <a:cs typeface="Times New Roman" panose="02020603050405020304" pitchFamily="18" charset="0"/>
-              </a:rPr>
-              <a:t>).</a:t>
-            </a:r>
-          </a:p>
-          <a:p>
-            <a:pPr marL="285750" indent="-285750">
-              <a:buClr>
-                <a:schemeClr val="bg1"/>
-              </a:buClr>
-              <a:buFont typeface="Wingdings" panose="05000000000000000000" pitchFamily="2" charset="2"/>
-              <a:buChar char="v"/>
-            </a:pPr>
-            <a:r>
-              <a:rPr lang="en-US" sz="1200" dirty="0">
-                <a:solidFill>
-                  <a:schemeClr val="bg1"/>
-                </a:solidFill>
-                <a:latin typeface="Times New Roman" panose="02020603050405020304" pitchFamily="18" charset="0"/>
-                <a:cs typeface="Times New Roman" panose="02020603050405020304" pitchFamily="18" charset="0"/>
-              </a:rPr>
-              <a:t>Backend API development (Node.js + PostgreSQL</a:t>
-            </a:r>
-            <a:r>
-              <a:rPr lang="en-US" sz="1200" dirty="0" smtClean="0">
-                <a:solidFill>
-                  <a:schemeClr val="bg1"/>
-                </a:solidFill>
-                <a:latin typeface="Times New Roman" panose="02020603050405020304" pitchFamily="18" charset="0"/>
-                <a:cs typeface="Times New Roman" panose="02020603050405020304" pitchFamily="18" charset="0"/>
-              </a:rPr>
-              <a:t>).</a:t>
-            </a:r>
-          </a:p>
-          <a:p>
-            <a:pPr marL="285750" indent="-285750">
-              <a:buClr>
-                <a:schemeClr val="bg1"/>
-              </a:buClr>
-              <a:buFont typeface="Wingdings" panose="05000000000000000000" pitchFamily="2" charset="2"/>
-              <a:buChar char="v"/>
-            </a:pPr>
-            <a:r>
-              <a:rPr lang="en-US" sz="1200" dirty="0">
-                <a:solidFill>
-                  <a:schemeClr val="bg1"/>
-                </a:solidFill>
-                <a:latin typeface="Times New Roman" panose="02020603050405020304" pitchFamily="18" charset="0"/>
-                <a:cs typeface="Times New Roman" panose="02020603050405020304" pitchFamily="18" charset="0"/>
-              </a:rPr>
-              <a:t>Authentication and dashboards (Student, Advisor, Admin</a:t>
-            </a:r>
-            <a:r>
-              <a:rPr lang="en-US" sz="1200" dirty="0" smtClean="0">
-                <a:solidFill>
-                  <a:schemeClr val="bg1"/>
-                </a:solidFill>
-                <a:latin typeface="Times New Roman" panose="02020603050405020304" pitchFamily="18" charset="0"/>
-                <a:cs typeface="Times New Roman" panose="02020603050405020304" pitchFamily="18" charset="0"/>
-              </a:rPr>
-              <a:t>).</a:t>
-            </a:r>
-          </a:p>
-          <a:p>
-            <a:pPr marL="285750" indent="-285750">
-              <a:buClr>
-                <a:schemeClr val="bg1"/>
-              </a:buClr>
-              <a:buFont typeface="Wingdings" panose="05000000000000000000" pitchFamily="2" charset="2"/>
-              <a:buChar char="v"/>
-            </a:pPr>
-            <a:r>
-              <a:rPr lang="en-US" sz="1200" dirty="0">
-                <a:solidFill>
-                  <a:schemeClr val="bg1"/>
-                </a:solidFill>
-                <a:latin typeface="Times New Roman" panose="02020603050405020304" pitchFamily="18" charset="0"/>
-                <a:cs typeface="Times New Roman" panose="02020603050405020304" pitchFamily="18" charset="0"/>
-              </a:rPr>
-              <a:t>Prototype integration and internal </a:t>
-            </a:r>
-            <a:r>
-              <a:rPr lang="en-US" sz="1200" dirty="0" smtClean="0">
-                <a:solidFill>
-                  <a:schemeClr val="bg1"/>
-                </a:solidFill>
-                <a:latin typeface="Times New Roman" panose="02020603050405020304" pitchFamily="18" charset="0"/>
-                <a:cs typeface="Times New Roman" panose="02020603050405020304" pitchFamily="18" charset="0"/>
-              </a:rPr>
-              <a:t>testing’</a:t>
-            </a:r>
-          </a:p>
-          <a:p>
-            <a:pPr marL="285750" indent="-285750">
-              <a:buClr>
-                <a:schemeClr val="bg1"/>
-              </a:buClr>
-              <a:buFont typeface="Wingdings" panose="05000000000000000000" pitchFamily="2" charset="2"/>
-              <a:buChar char="v"/>
-            </a:pPr>
-            <a:r>
-              <a:rPr lang="en-US" sz="1200" dirty="0">
-                <a:solidFill>
-                  <a:schemeClr val="bg1"/>
-                </a:solidFill>
-                <a:latin typeface="Times New Roman" panose="02020603050405020304" pitchFamily="18" charset="0"/>
-                <a:cs typeface="Times New Roman" panose="02020603050405020304" pitchFamily="18" charset="0"/>
-              </a:rPr>
-              <a:t>Documentation and presentation preparation</a:t>
-            </a:r>
+            <a:pPr algn="ctr"/>
+            <a:endParaRPr lang="en-US"/>
           </a:p>
         </p:txBody>
       </p:sp>
       <p:sp>
         <p:nvSpPr>
-          <p:cNvPr id="17" name="Rectangle 16"/>
+          <p:cNvPr id="12" name="Rectangle 11"/>
           <p:cNvSpPr/>
           <p:nvPr/>
         </p:nvSpPr>
         <p:spPr>
           <a:xfrm>
-            <a:off x="4816951" y="1778012"/>
-            <a:ext cx="4145200" cy="1969770"/>
+            <a:off x="4661210" y="1615625"/>
+            <a:ext cx="4393582" cy="3047591"/>
           </a:xfrm>
           <a:prstGeom prst="rect">
             <a:avLst/>
           </a:prstGeom>
+          <a:blipFill dpi="0" rotWithShape="1">
+            <a:blip r:embed="rId5">
+              <a:extLst>
+                <a:ext uri="{28A0092B-C50C-407E-A947-70E740481C1C}">
+                  <a14:useLocalDpi xmlns:a14="http://schemas.microsoft.com/office/drawing/2010/main" val="0"/>
+                </a:ext>
+              </a:extLst>
+            </a:blip>
+            <a:srcRect/>
+            <a:stretch>
+              <a:fillRect/>
+            </a:stretch>
+          </a:blipFill>
         </p:spPr>
+        <p:style>
+          <a:lnRef idx="2">
+            <a:schemeClr val="accent1">
+              <a:shade val="50000"/>
+            </a:schemeClr>
+          </a:lnRef>
+          <a:fillRef idx="1">
+            <a:schemeClr val="accent1"/>
+          </a:fillRef>
+          <a:effectRef idx="0">
+            <a:schemeClr val="accent1"/>
+          </a:effectRef>
+          <a:fontRef idx="minor">
+            <a:schemeClr val="lt1"/>
+          </a:fontRef>
+        </p:style>
         <p:txBody>
-          <a:bodyPr wrap="square">
-            <a:spAutoFit/>
-          </a:bodyPr>
+          <a:bodyPr rtlCol="0" anchor="ctr"/>
           <a:lstStyle/>
           <a:p>
-            <a:pPr marL="285750" indent="-285750">
-              <a:buClr>
-                <a:schemeClr val="bg1"/>
-              </a:buClr>
-              <a:buFont typeface="Wingdings" panose="05000000000000000000" pitchFamily="2" charset="2"/>
-              <a:buChar char="v"/>
-            </a:pPr>
-            <a:r>
-              <a:rPr lang="en-US" sz="1200" dirty="0">
-                <a:solidFill>
-                  <a:schemeClr val="bg1"/>
-                </a:solidFill>
-                <a:latin typeface="Times New Roman" panose="02020603050405020304" pitchFamily="18" charset="0"/>
-                <a:cs typeface="Times New Roman" panose="02020603050405020304" pitchFamily="18" charset="0"/>
-              </a:rPr>
-              <a:t>AI dataset preparation and model training (FastAPI + Python</a:t>
-            </a:r>
-            <a:r>
-              <a:rPr lang="en-US" sz="1200" dirty="0" smtClean="0">
-                <a:solidFill>
-                  <a:schemeClr val="bg1"/>
-                </a:solidFill>
-                <a:latin typeface="Times New Roman" panose="02020603050405020304" pitchFamily="18" charset="0"/>
-                <a:cs typeface="Times New Roman" panose="02020603050405020304" pitchFamily="18" charset="0"/>
-              </a:rPr>
-              <a:t>)</a:t>
-            </a:r>
-          </a:p>
-          <a:p>
-            <a:pPr marL="285750" indent="-285750">
-              <a:buClr>
-                <a:schemeClr val="bg1"/>
-              </a:buClr>
-              <a:buFont typeface="Wingdings" panose="05000000000000000000" pitchFamily="2" charset="2"/>
-              <a:buChar char="v"/>
-            </a:pPr>
-            <a:r>
-              <a:rPr lang="en-US" sz="1200" dirty="0">
-                <a:solidFill>
-                  <a:schemeClr val="bg1"/>
-                </a:solidFill>
-                <a:latin typeface="Times New Roman" panose="02020603050405020304" pitchFamily="18" charset="0"/>
-                <a:cs typeface="Times New Roman" panose="02020603050405020304" pitchFamily="18" charset="0"/>
-              </a:rPr>
-              <a:t>Model evaluation and integration with </a:t>
-            </a:r>
-            <a:r>
-              <a:rPr lang="en-US" sz="1200" dirty="0" smtClean="0">
-                <a:solidFill>
-                  <a:schemeClr val="bg1"/>
-                </a:solidFill>
-                <a:latin typeface="Times New Roman" panose="02020603050405020304" pitchFamily="18" charset="0"/>
-                <a:cs typeface="Times New Roman" panose="02020603050405020304" pitchFamily="18" charset="0"/>
-              </a:rPr>
-              <a:t>backend</a:t>
-            </a:r>
-          </a:p>
-          <a:p>
-            <a:pPr marL="285750" indent="-285750">
-              <a:buClr>
-                <a:schemeClr val="bg1"/>
-              </a:buClr>
-              <a:buFont typeface="Wingdings" panose="05000000000000000000" pitchFamily="2" charset="2"/>
-              <a:buChar char="v"/>
-            </a:pPr>
-            <a:r>
-              <a:rPr lang="en-US" sz="1200" dirty="0">
-                <a:solidFill>
-                  <a:schemeClr val="bg1"/>
-                </a:solidFill>
-                <a:latin typeface="Times New Roman" panose="02020603050405020304" pitchFamily="18" charset="0"/>
-                <a:cs typeface="Times New Roman" panose="02020603050405020304" pitchFamily="18" charset="0"/>
-              </a:rPr>
-              <a:t>Validation engine (prerequisite checking</a:t>
-            </a:r>
-            <a:r>
-              <a:rPr lang="en-US" sz="1200" dirty="0" smtClean="0">
-                <a:solidFill>
-                  <a:schemeClr val="bg1"/>
-                </a:solidFill>
-                <a:latin typeface="Times New Roman" panose="02020603050405020304" pitchFamily="18" charset="0"/>
-                <a:cs typeface="Times New Roman" panose="02020603050405020304" pitchFamily="18" charset="0"/>
-              </a:rPr>
-              <a:t>)</a:t>
-            </a:r>
-          </a:p>
-          <a:p>
-            <a:pPr marL="285750" indent="-285750">
-              <a:buClr>
-                <a:schemeClr val="bg1"/>
-              </a:buClr>
-              <a:buFont typeface="Wingdings" panose="05000000000000000000" pitchFamily="2" charset="2"/>
-              <a:buChar char="v"/>
-            </a:pPr>
-            <a:r>
-              <a:rPr lang="en-US" sz="1200" dirty="0">
-                <a:solidFill>
-                  <a:schemeClr val="bg1"/>
-                </a:solidFill>
-                <a:latin typeface="Times New Roman" panose="02020603050405020304" pitchFamily="18" charset="0"/>
-                <a:cs typeface="Times New Roman" panose="02020603050405020304" pitchFamily="18" charset="0"/>
-              </a:rPr>
-              <a:t>Add/Drop and notification </a:t>
-            </a:r>
-            <a:r>
-              <a:rPr lang="en-US" sz="1200" dirty="0" smtClean="0">
-                <a:solidFill>
-                  <a:schemeClr val="bg1"/>
-                </a:solidFill>
-                <a:latin typeface="Times New Roman" panose="02020603050405020304" pitchFamily="18" charset="0"/>
-                <a:cs typeface="Times New Roman" panose="02020603050405020304" pitchFamily="18" charset="0"/>
-              </a:rPr>
-              <a:t>modules</a:t>
-            </a:r>
-          </a:p>
-          <a:p>
-            <a:pPr marL="285750" indent="-285750">
-              <a:buClr>
-                <a:schemeClr val="bg1"/>
-              </a:buClr>
-              <a:buFont typeface="Wingdings" panose="05000000000000000000" pitchFamily="2" charset="2"/>
-              <a:buChar char="v"/>
-            </a:pPr>
-            <a:r>
-              <a:rPr lang="en-US" sz="1200" dirty="0">
-                <a:solidFill>
-                  <a:schemeClr val="bg1"/>
-                </a:solidFill>
-                <a:latin typeface="Times New Roman" panose="02020603050405020304" pitchFamily="18" charset="0"/>
-                <a:cs typeface="Times New Roman" panose="02020603050405020304" pitchFamily="18" charset="0"/>
-              </a:rPr>
-              <a:t>Full-system testing and bug </a:t>
-            </a:r>
-            <a:r>
-              <a:rPr lang="en-US" sz="1200" dirty="0" smtClean="0">
-                <a:solidFill>
-                  <a:schemeClr val="bg1"/>
-                </a:solidFill>
-                <a:latin typeface="Times New Roman" panose="02020603050405020304" pitchFamily="18" charset="0"/>
-                <a:cs typeface="Times New Roman" panose="02020603050405020304" pitchFamily="18" charset="0"/>
-              </a:rPr>
-              <a:t>fixing</a:t>
-            </a:r>
-          </a:p>
-          <a:p>
-            <a:pPr marL="285750" indent="-285750">
-              <a:buClr>
-                <a:schemeClr val="bg1"/>
-              </a:buClr>
-              <a:buFont typeface="Wingdings" panose="05000000000000000000" pitchFamily="2" charset="2"/>
-              <a:buChar char="v"/>
-            </a:pPr>
-            <a:r>
-              <a:rPr lang="en-US" sz="1200" dirty="0">
-                <a:solidFill>
-                  <a:schemeClr val="bg1"/>
-                </a:solidFill>
-                <a:latin typeface="Times New Roman" panose="02020603050405020304" pitchFamily="18" charset="0"/>
-                <a:cs typeface="Times New Roman" panose="02020603050405020304" pitchFamily="18" charset="0"/>
-              </a:rPr>
-              <a:t>Deployment on cloud </a:t>
-            </a:r>
-            <a:r>
-              <a:rPr lang="en-US" sz="1200" dirty="0" smtClean="0">
-                <a:solidFill>
-                  <a:schemeClr val="bg1"/>
-                </a:solidFill>
-                <a:latin typeface="Times New Roman" panose="02020603050405020304" pitchFamily="18" charset="0"/>
-                <a:cs typeface="Times New Roman" panose="02020603050405020304" pitchFamily="18" charset="0"/>
-              </a:rPr>
-              <a:t>platforms</a:t>
-            </a:r>
-          </a:p>
-          <a:p>
-            <a:pPr marL="285750" indent="-285750">
-              <a:buClr>
-                <a:schemeClr val="bg1"/>
-              </a:buClr>
-              <a:buFont typeface="Wingdings" panose="05000000000000000000" pitchFamily="2" charset="2"/>
-              <a:buChar char="v"/>
-            </a:pPr>
-            <a:r>
-              <a:rPr lang="en-US" sz="1200" dirty="0">
-                <a:solidFill>
-                  <a:schemeClr val="bg1"/>
-                </a:solidFill>
-                <a:latin typeface="Times New Roman" panose="02020603050405020304" pitchFamily="18" charset="0"/>
-                <a:cs typeface="Times New Roman" panose="02020603050405020304" pitchFamily="18" charset="0"/>
-              </a:rPr>
-              <a:t>Final documentation and viva preparation</a:t>
-            </a:r>
-            <a:endParaRPr lang="en-US" sz="1200" dirty="0" smtClean="0">
-              <a:solidFill>
-                <a:schemeClr val="bg1"/>
-              </a:solidFill>
-              <a:latin typeface="Times New Roman" panose="02020603050405020304" pitchFamily="18" charset="0"/>
-              <a:cs typeface="Times New Roman" panose="02020603050405020304" pitchFamily="18" charset="0"/>
-            </a:endParaRPr>
-          </a:p>
-          <a:p>
-            <a:pPr marL="285750" indent="-285750">
-              <a:buClr>
-                <a:schemeClr val="bg1"/>
-              </a:buClr>
-              <a:buFont typeface="Wingdings" panose="05000000000000000000" pitchFamily="2" charset="2"/>
-              <a:buChar char="v"/>
-            </a:pPr>
-            <a:endParaRPr lang="en-US" sz="1200" dirty="0" smtClean="0">
-              <a:solidFill>
-                <a:schemeClr val="bg1"/>
-              </a:solidFill>
-              <a:latin typeface="Times New Roman" panose="02020603050405020304" pitchFamily="18" charset="0"/>
-              <a:cs typeface="Times New Roman" panose="02020603050405020304" pitchFamily="18" charset="0"/>
-            </a:endParaRPr>
-          </a:p>
-          <a:p>
-            <a:pPr marL="285750" indent="-285750">
-              <a:buClr>
-                <a:schemeClr val="bg1"/>
-              </a:buClr>
-              <a:buFont typeface="Wingdings" panose="05000000000000000000" pitchFamily="2" charset="2"/>
-              <a:buChar char="v"/>
-            </a:pPr>
-            <a:endParaRPr lang="en-US" sz="1200" dirty="0">
-              <a:solidFill>
-                <a:schemeClr val="bg1"/>
-              </a:solidFill>
-              <a:latin typeface="Times New Roman" panose="02020603050405020304" pitchFamily="18" charset="0"/>
-              <a:cs typeface="Times New Roman" panose="02020603050405020304" pitchFamily="18" charset="0"/>
-            </a:endParaRPr>
+            <a:pPr algn="ctr"/>
+            <a:endParaRPr lang="en-US"/>
           </a:p>
         </p:txBody>
       </p:sp>
-    </p:spTree>
-  </p:cSld>
-  <p:clrMapOvr>
-    <a:masterClrMapping/>
-  </p:clrMapOvr>
-  <p:timing>
-    <p:tnLst>
-      <p:par>
-        <p:cTn id="1" dur="indefinite" restart="never" nodeType="tmRoot"/>
-      </p:par>
-    </p:tnLst>
-  </p:timing>
-</p:sld>
-</file>
-
-<file path=ppt/slides/slide9.xml><?xml version="1.0" encoding="utf-8"?>
-<p:sld xmlns:a="http://schemas.openxmlformats.org/drawingml/2006/main" xmlns:r="http://schemas.openxmlformats.org/officeDocument/2006/relationships" xmlns:p="http://schemas.openxmlformats.org/presentationml/2006/main">
-  <p:cSld>
-    <p:spTree>
-      <p:nvGrpSpPr>
-        <p:cNvPr id="1" name="Shape 223"/>
-        <p:cNvGrpSpPr/>
-        <p:nvPr/>
-      </p:nvGrpSpPr>
-      <p:grpSpPr>
-        <a:xfrm>
-          <a:off x="0" y="0"/>
-          <a:ext cx="0" cy="0"/>
-          <a:chOff x="0" y="0"/>
-          <a:chExt cx="0" cy="0"/>
-        </a:xfrm>
-      </p:grpSpPr>
-      <p:sp>
-        <p:nvSpPr>
-          <p:cNvPr id="224" name="Google Shape;224;p23"/>
-          <p:cNvSpPr txBox="1">
-            <a:spLocks noGrp="1"/>
-          </p:cNvSpPr>
-          <p:nvPr>
-            <p:ph type="title"/>
-          </p:nvPr>
-        </p:nvSpPr>
-        <p:spPr>
-          <a:xfrm>
-            <a:off x="1297500" y="393750"/>
-            <a:ext cx="7038900" cy="914100"/>
-          </a:xfrm>
-          <a:prstGeom prst="rect">
-            <a:avLst/>
-          </a:prstGeom>
-        </p:spPr>
-        <p:txBody>
-          <a:bodyPr spcFirstLastPara="1" wrap="square" lIns="91425" tIns="91425" rIns="91425" bIns="91425" anchor="t" anchorCtr="0">
-            <a:normAutofit/>
-          </a:bodyPr>
-          <a:lstStyle/>
-          <a:p>
-            <a:pPr marL="0" lvl="0" indent="0" algn="ctr" rtl="0">
-              <a:spcBef>
-                <a:spcPts val="0"/>
-              </a:spcBef>
-              <a:spcAft>
-                <a:spcPts val="0"/>
-              </a:spcAft>
-              <a:buNone/>
-            </a:pPr>
-            <a:r>
-              <a:rPr lang="en" sz="2900">
-                <a:latin typeface="Times New Roman"/>
-                <a:ea typeface="Times New Roman"/>
-                <a:cs typeface="Times New Roman"/>
-                <a:sym typeface="Times New Roman"/>
-              </a:rPr>
-              <a:t>References</a:t>
-            </a:r>
-            <a:endParaRPr sz="2900">
-              <a:latin typeface="Times New Roman"/>
-              <a:ea typeface="Times New Roman"/>
-              <a:cs typeface="Times New Roman"/>
-              <a:sym typeface="Times New Roman"/>
-            </a:endParaRPr>
-          </a:p>
-          <a:p>
-            <a:pPr marL="0" lvl="0" indent="0" algn="ctr" rtl="0">
-              <a:spcBef>
-                <a:spcPts val="0"/>
-              </a:spcBef>
-              <a:spcAft>
-                <a:spcPts val="0"/>
-              </a:spcAft>
-              <a:buNone/>
-            </a:pPr>
-            <a:endParaRPr sz="2900">
-              <a:latin typeface="Times New Roman"/>
-              <a:ea typeface="Times New Roman"/>
-              <a:cs typeface="Times New Roman"/>
-              <a:sym typeface="Times New Roman"/>
-            </a:endParaRPr>
-          </a:p>
-        </p:txBody>
-      </p:sp>
-      <p:sp>
-        <p:nvSpPr>
-          <p:cNvPr id="225" name="Google Shape;225;p23"/>
-          <p:cNvSpPr txBox="1">
-            <a:spLocks noGrp="1"/>
-          </p:cNvSpPr>
-          <p:nvPr>
-            <p:ph type="body" idx="1"/>
-          </p:nvPr>
-        </p:nvSpPr>
-        <p:spPr>
-          <a:xfrm>
-            <a:off x="1297500" y="1567550"/>
-            <a:ext cx="7038900" cy="2911200"/>
-          </a:xfrm>
-          <a:prstGeom prst="rect">
-            <a:avLst/>
-          </a:prstGeom>
-        </p:spPr>
-        <p:txBody>
-          <a:bodyPr spcFirstLastPara="1" wrap="square" lIns="91425" tIns="91425" rIns="91425" bIns="91425" anchor="t" anchorCtr="0">
-            <a:normAutofit/>
-          </a:bodyPr>
-          <a:lstStyle/>
-          <a:p>
-            <a:r>
-              <a:rPr lang="en-US" dirty="0" err="1"/>
-              <a:t>Zafra</a:t>
-            </a:r>
-            <a:r>
-              <a:rPr lang="en-US" dirty="0"/>
-              <a:t> &amp; Ventura (2019) – </a:t>
-            </a:r>
-            <a:r>
-              <a:rPr lang="en-US" i="1" dirty="0"/>
-              <a:t>Predictive Modeling for Student Performance in Higher </a:t>
-            </a:r>
-            <a:r>
-              <a:rPr lang="en-US" i="1" dirty="0" smtClean="0"/>
-              <a:t>Education.</a:t>
-            </a:r>
-          </a:p>
-          <a:p>
-            <a:endParaRPr lang="en-US" dirty="0"/>
-          </a:p>
-          <a:p>
-            <a:r>
-              <a:rPr lang="en-US" dirty="0"/>
-              <a:t>Al-</a:t>
-            </a:r>
-            <a:r>
-              <a:rPr lang="en-US" dirty="0" err="1"/>
-              <a:t>Barrak</a:t>
-            </a:r>
-            <a:r>
-              <a:rPr lang="en-US" dirty="0"/>
-              <a:t> &amp; Al-</a:t>
-            </a:r>
-            <a:r>
-              <a:rPr lang="en-US" dirty="0" err="1"/>
-              <a:t>Razgan</a:t>
-            </a:r>
-            <a:r>
-              <a:rPr lang="en-US" dirty="0"/>
-              <a:t> (2020) – </a:t>
-            </a:r>
-            <a:r>
-              <a:rPr lang="en-US" i="1" dirty="0"/>
-              <a:t>Intelligent Recommender System for Academic </a:t>
-            </a:r>
-            <a:r>
-              <a:rPr lang="en-US" i="1" dirty="0" smtClean="0"/>
-              <a:t>Advising.</a:t>
-            </a:r>
-          </a:p>
-          <a:p>
-            <a:endParaRPr lang="en-US" dirty="0"/>
-          </a:p>
-          <a:p>
-            <a:r>
-              <a:rPr lang="en-US" dirty="0"/>
-              <a:t>IBM Watson Education (2021) – </a:t>
-            </a:r>
-            <a:r>
-              <a:rPr lang="en-US" i="1" dirty="0"/>
-              <a:t>AI in Learning </a:t>
-            </a:r>
-            <a:r>
-              <a:rPr lang="en-US" i="1" dirty="0" smtClean="0"/>
-              <a:t>Analytics.</a:t>
-            </a:r>
-          </a:p>
-          <a:p>
-            <a:endParaRPr lang="en-US" dirty="0"/>
-          </a:p>
-          <a:p>
-            <a:r>
-              <a:rPr lang="en-US" dirty="0"/>
-              <a:t>Coursera (2022) – </a:t>
-            </a:r>
-            <a:r>
-              <a:rPr lang="en-US" i="1" dirty="0"/>
-              <a:t>AI-Based Course Recommendation </a:t>
-            </a:r>
-            <a:r>
-              <a:rPr lang="en-US" i="1" dirty="0" smtClean="0"/>
-              <a:t>System.</a:t>
-            </a:r>
-          </a:p>
-          <a:p>
-            <a:endParaRPr lang="en-US" dirty="0"/>
-          </a:p>
-          <a:p>
-            <a:r>
-              <a:rPr lang="en-US" dirty="0" err="1"/>
-              <a:t>edX</a:t>
-            </a:r>
-            <a:r>
-              <a:rPr lang="en-US" dirty="0"/>
-              <a:t> (2022) – </a:t>
-            </a:r>
-            <a:r>
-              <a:rPr lang="en-US" i="1" dirty="0"/>
-              <a:t>Personalized Learning and Course </a:t>
-            </a:r>
-            <a:r>
-              <a:rPr lang="en-US" i="1" dirty="0" smtClean="0"/>
-              <a:t>Pathways.</a:t>
-            </a:r>
-          </a:p>
-          <a:p>
-            <a:endParaRPr lang="en-US" dirty="0"/>
-          </a:p>
-          <a:p>
-            <a:r>
-              <a:rPr lang="en-US" dirty="0"/>
-              <a:t>Documentation: </a:t>
-            </a:r>
-            <a:r>
-              <a:rPr lang="en-US" b="1" dirty="0"/>
-              <a:t>Next.js</a:t>
-            </a:r>
-            <a:r>
-              <a:rPr lang="en-US" dirty="0"/>
-              <a:t>, </a:t>
-            </a:r>
-            <a:r>
-              <a:rPr lang="en-US" b="1" dirty="0"/>
-              <a:t>FastAPI</a:t>
-            </a:r>
-            <a:r>
-              <a:rPr lang="en-US" dirty="0"/>
-              <a:t>, </a:t>
-            </a:r>
-            <a:r>
-              <a:rPr lang="en-US" b="1" dirty="0"/>
-              <a:t>PostgreSQL</a:t>
-            </a:r>
-            <a:endParaRPr lang="en-US" dirty="0"/>
-          </a:p>
-          <a:p>
-            <a:endParaRPr lang="en" dirty="0"/>
-          </a:p>
-        </p:txBody>
-      </p:sp>
-      <p:cxnSp>
-        <p:nvCxnSpPr>
-          <p:cNvPr id="226" name="Google Shape;226;p23"/>
-          <p:cNvCxnSpPr/>
-          <p:nvPr/>
-        </p:nvCxnSpPr>
-        <p:spPr>
-          <a:xfrm rot="10800000" flipH="1">
-            <a:off x="2032850" y="951000"/>
-            <a:ext cx="5377200" cy="60600"/>
-          </a:xfrm>
-          <a:prstGeom prst="straightConnector1">
-            <a:avLst/>
-          </a:prstGeom>
-          <a:noFill/>
-          <a:ln w="28575" cap="flat" cmpd="sng">
-            <a:solidFill>
-              <a:schemeClr val="dk2"/>
-            </a:solidFill>
-            <a:prstDash val="solid"/>
-            <a:round/>
-            <a:headEnd type="none" w="med" len="med"/>
-            <a:tailEnd type="none" w="med" len="med"/>
-          </a:ln>
-        </p:spPr>
-      </p:cxnSp>
-      <p:sp>
-        <p:nvSpPr>
-          <p:cNvPr id="227" name="Google Shape;227;p23"/>
-          <p:cNvSpPr txBox="1">
-            <a:spLocks noGrp="1"/>
-          </p:cNvSpPr>
-          <p:nvPr>
-            <p:ph type="sldNum" idx="12"/>
-          </p:nvPr>
-        </p:nvSpPr>
-        <p:spPr>
-          <a:xfrm>
-            <a:off x="8472458" y="4663217"/>
-            <a:ext cx="548700" cy="393600"/>
-          </a:xfrm>
-          <a:prstGeom prst="rect">
-            <a:avLst/>
-          </a:prstGeom>
-        </p:spPr>
-        <p:txBody>
-          <a:bodyPr spcFirstLastPara="1" wrap="square" lIns="91425" tIns="91425" rIns="91425" bIns="91425" anchor="ctr" anchorCtr="0">
-            <a:normAutofit/>
-          </a:bodyPr>
-          <a:lstStyle/>
-          <a:p>
-            <a:pPr marL="0" lvl="0" indent="0" algn="r" rtl="0">
-              <a:spcBef>
-                <a:spcPts val="0"/>
-              </a:spcBef>
-              <a:spcAft>
-                <a:spcPts val="0"/>
-              </a:spcAft>
-              <a:buNone/>
-            </a:pPr>
-            <a:fld id="{00000000-1234-1234-1234-123412341234}" type="slidenum">
-              <a:rPr lang="en"/>
-              <a:t>9</a:t>
-            </a:fld>
-            <a:endParaRPr/>
-          </a:p>
-        </p:txBody>
-      </p:sp>
-      <p:pic>
-        <p:nvPicPr>
-          <p:cNvPr id="228" name="Google Shape;228;p23"/>
-          <p:cNvPicPr preferRelativeResize="0"/>
-          <p:nvPr/>
-        </p:nvPicPr>
-        <p:blipFill>
-          <a:blip r:embed="rId3">
-            <a:alphaModFix/>
-          </a:blip>
-          <a:stretch>
-            <a:fillRect/>
-          </a:stretch>
-        </p:blipFill>
-        <p:spPr>
-          <a:xfrm>
-            <a:off x="7575675" y="195700"/>
-            <a:ext cx="1386475" cy="1127600"/>
-          </a:xfrm>
-          <a:prstGeom prst="rect">
-            <a:avLst/>
-          </a:prstGeom>
-          <a:noFill/>
-          <a:ln>
-            <a:noFill/>
-          </a:ln>
-        </p:spPr>
-      </p:pic>
     </p:spTree>
   </p:cSld>
   <p:clrMapOvr>
@@ -14567,6 +14934,26 @@
 </file>
 
 <file path=customXml/item1.xml><?xml version="1.0" encoding="utf-8"?>
+<?mso-contentType ?>
+<FormTemplates xmlns="http://schemas.microsoft.com/sharepoint/v3/contenttype/forms">
+  <Display>DocumentLibraryForm</Display>
+  <Edit>DocumentLibraryForm</Edit>
+  <New>DocumentLibraryForm</New>
+</FormTemplates>
+</file>
+
+<file path=customXml/item2.xml><?xml version="1.0" encoding="utf-8"?>
+<p:properties xmlns:p="http://schemas.microsoft.com/office/2006/metadata/properties" xmlns:xsi="http://www.w3.org/2001/XMLSchema-instance" xmlns:pc="http://schemas.microsoft.com/office/infopath/2007/PartnerControls">
+  <documentManagement>
+    <TaxCatchAll xmlns="c6b6d857-2b69-4d79-9211-b25ba5423ced" xsi:nil="true"/>
+    <lcf76f155ced4ddcb4097134ff3c332f xmlns="6f5b4307-b992-48d4-b799-acc6f219a2d8">
+      <Terms xmlns="http://schemas.microsoft.com/office/infopath/2007/PartnerControls"/>
+    </lcf76f155ced4ddcb4097134ff3c332f>
+  </documentManagement>
+</p:properties>
+</file>
+
+<file path=customXml/item3.xml><?xml version="1.0" encoding="utf-8"?>
 <ct:contentTypeSchema xmlns:ct="http://schemas.microsoft.com/office/2006/metadata/contentType" xmlns:ma="http://schemas.microsoft.com/office/2006/metadata/properties/metaAttributes" ct:_="" ma:_="" ma:contentTypeName="Document" ma:contentTypeID="0x01010075666DF62A82474E840B33A13732294E" ma:contentTypeVersion="10" ma:contentTypeDescription="Create a new document." ma:contentTypeScope="" ma:versionID="b81ac9a6ba50464cda649c7b27554991">
   <xsd:schema xmlns:xsd="http://www.w3.org/2001/XMLSchema" xmlns:xs="http://www.w3.org/2001/XMLSchema" xmlns:p="http://schemas.microsoft.com/office/2006/metadata/properties" xmlns:ns2="6f5b4307-b992-48d4-b799-acc6f219a2d8" xmlns:ns3="c6b6d857-2b69-4d79-9211-b25ba5423ced" targetNamespace="http://schemas.microsoft.com/office/2006/metadata/properties" ma:root="true" ma:fieldsID="8e47362a05930011f749f72bdd64bcbd" ns2:_="" ns3:_="">
     <xsd:import namespace="6f5b4307-b992-48d4-b799-acc6f219a2d8"/>
@@ -14755,27 +15142,32 @@
 </ct:contentTypeSchema>
 </file>
 
-<file path=customXml/item2.xml><?xml version="1.0" encoding="utf-8"?>
-<?mso-contentType ?>
-<FormTemplates xmlns="http://schemas.microsoft.com/sharepoint/v3/contenttype/forms">
-  <Display>DocumentLibraryForm</Display>
-  <Edit>DocumentLibraryForm</Edit>
-  <New>DocumentLibraryForm</New>
-</FormTemplates>
+<file path=customXml/itemProps1.xml><?xml version="1.0" encoding="utf-8"?>
+<ds:datastoreItem xmlns:ds="http://schemas.openxmlformats.org/officeDocument/2006/customXml" ds:itemID="{63E55EE1-6564-40A8-BBDD-D5ACD63A0A36}">
+  <ds:schemaRefs>
+    <ds:schemaRef ds:uri="http://schemas.microsoft.com/sharepoint/v3/contenttype/forms"/>
+  </ds:schemaRefs>
+</ds:datastoreItem>
 </file>
 
-<file path=customXml/item3.xml><?xml version="1.0" encoding="utf-8"?>
-<p:properties xmlns:p="http://schemas.microsoft.com/office/2006/metadata/properties" xmlns:xsi="http://www.w3.org/2001/XMLSchema-instance" xmlns:pc="http://schemas.microsoft.com/office/infopath/2007/PartnerControls">
-  <documentManagement>
-    <TaxCatchAll xmlns="c6b6d857-2b69-4d79-9211-b25ba5423ced" xsi:nil="true"/>
-    <lcf76f155ced4ddcb4097134ff3c332f xmlns="6f5b4307-b992-48d4-b799-acc6f219a2d8">
-      <Terms xmlns="http://schemas.microsoft.com/office/infopath/2007/PartnerControls"/>
-    </lcf76f155ced4ddcb4097134ff3c332f>
-  </documentManagement>
-</p:properties>
+<file path=customXml/itemProps2.xml><?xml version="1.0" encoding="utf-8"?>
+<ds:datastoreItem xmlns:ds="http://schemas.openxmlformats.org/officeDocument/2006/customXml" ds:itemID="{CF942C60-210E-4F8F-B05B-4520E2EC3D8C}">
+  <ds:schemaRefs>
+    <ds:schemaRef ds:uri="http://schemas.openxmlformats.org/package/2006/metadata/core-properties"/>
+    <ds:schemaRef ds:uri="http://purl.org/dc/terms/"/>
+    <ds:schemaRef ds:uri="http://schemas.microsoft.com/office/2006/documentManagement/types"/>
+    <ds:schemaRef ds:uri="6f5b4307-b992-48d4-b799-acc6f219a2d8"/>
+    <ds:schemaRef ds:uri="http://purl.org/dc/dcmitype/"/>
+    <ds:schemaRef ds:uri="c6b6d857-2b69-4d79-9211-b25ba5423ced"/>
+    <ds:schemaRef ds:uri="http://schemas.microsoft.com/office/infopath/2007/PartnerControls"/>
+    <ds:schemaRef ds:uri="http://schemas.microsoft.com/office/2006/metadata/properties"/>
+    <ds:schemaRef ds:uri="http://www.w3.org/XML/1998/namespace"/>
+    <ds:schemaRef ds:uri="http://purl.org/dc/elements/1.1/"/>
+  </ds:schemaRefs>
+</ds:datastoreItem>
 </file>
 
-<file path=customXml/itemProps1.xml><?xml version="1.0" encoding="utf-8"?>
+<file path=customXml/itemProps3.xml><?xml version="1.0" encoding="utf-8"?>
 <ds:datastoreItem xmlns:ds="http://schemas.openxmlformats.org/officeDocument/2006/customXml" ds:itemID="{BEB01DC4-77B2-4253-8158-995F13CB2CC3}">
   <ds:schemaRefs>
     <ds:schemaRef ds:uri="6f5b4307-b992-48d4-b799-acc6f219a2d8"/>
@@ -14792,29 +15184,4 @@
     <ds:schemaRef ds:uri="http://www.w3.org/2001/XMLSchema"/>
   </ds:schemaRefs>
 </ds:datastoreItem>
-</file>
-
-<file path=customXml/itemProps2.xml><?xml version="1.0" encoding="utf-8"?>
-<ds:datastoreItem xmlns:ds="http://schemas.openxmlformats.org/officeDocument/2006/customXml" ds:itemID="{63E55EE1-6564-40A8-BBDD-D5ACD63A0A36}">
-  <ds:schemaRefs>
-    <ds:schemaRef ds:uri="http://schemas.microsoft.com/sharepoint/v3/contenttype/forms"/>
-  </ds:schemaRefs>
-</ds:datastoreItem>
-</file>
-
-<file path=customXml/itemProps3.xml><?xml version="1.0" encoding="utf-8"?>
-<ds:datastoreItem xmlns:ds="http://schemas.openxmlformats.org/officeDocument/2006/customXml" ds:itemID="{CF942C60-210E-4F8F-B05B-4520E2EC3D8C}">
-  <ds:schemaRefs>
-    <ds:schemaRef ds:uri="http://schemas.openxmlformats.org/package/2006/metadata/core-properties"/>
-    <ds:schemaRef ds:uri="http://purl.org/dc/terms/"/>
-    <ds:schemaRef ds:uri="http://schemas.microsoft.com/office/2006/documentManagement/types"/>
-    <ds:schemaRef ds:uri="6f5b4307-b992-48d4-b799-acc6f219a2d8"/>
-    <ds:schemaRef ds:uri="http://purl.org/dc/dcmitype/"/>
-    <ds:schemaRef ds:uri="c6b6d857-2b69-4d79-9211-b25ba5423ced"/>
-    <ds:schemaRef ds:uri="http://schemas.microsoft.com/office/infopath/2007/PartnerControls"/>
-    <ds:schemaRef ds:uri="http://schemas.microsoft.com/office/2006/metadata/properties"/>
-    <ds:schemaRef ds:uri="http://www.w3.org/XML/1998/namespace"/>
-    <ds:schemaRef ds:uri="http://purl.org/dc/elements/1.1/"/>
-  </ds:schemaRefs>
-</ds:datastoreItem>
 </file>